--- a/ppt/multi-head.pptx
+++ b/ppt/multi-head.pptx
@@ -2,12 +2,12 @@
 <file path=ppt/presentation.xml><?xml version="1.0" encoding="utf-8"?>
 <p:presentation xmlns:a="http://schemas.openxmlformats.org/drawingml/2006/main" xmlns:r="http://schemas.openxmlformats.org/officeDocument/2006/relationships" xmlns:p="http://schemas.openxmlformats.org/presentationml/2006/main" saveSubsetFonts="1">
   <p:sldMasterIdLst>
-    <p:sldMasterId id="2147483648" r:id="rId1"/>
+    <p:sldMasterId id="2147483684" r:id="rId1"/>
   </p:sldMasterIdLst>
   <p:sldIdLst>
     <p:sldId id="256" r:id="rId2"/>
   </p:sldIdLst>
-  <p:sldSz cx="12192000" cy="6858000"/>
+  <p:sldSz cx="6432550" cy="4697413"/>
   <p:notesSz cx="6858000" cy="9144000"/>
   <p:defaultTextStyle>
     <a:defPPr>
@@ -104,6 +104,11 @@
       </a:defRPr>
     </a:lvl9pPr>
   </p:defaultTextStyle>
+  <p:extLst>
+    <p:ext uri="{EFAFB233-063F-42B5-8137-9DF3F51BA10A}">
+      <p15:sldGuideLst xmlns:p15="http://schemas.microsoft.com/office/powerpoint/2012/main"/>
+    </p:ext>
+  </p:extLst>
 </p:presentation>
 </file>
 
@@ -126,7 +131,7 @@
       </p:grpSpPr>
       <p:sp>
         <p:nvSpPr>
-          <p:cNvPr id="2" name="标题 1"/>
+          <p:cNvPr id="2" name="Title 1"/>
           <p:cNvSpPr>
             <a:spLocks noGrp="1"/>
           </p:cNvSpPr>
@@ -136,15 +141,15 @@
         </p:nvSpPr>
         <p:spPr>
           <a:xfrm>
-            <a:off x="1524000" y="1122363"/>
-            <a:ext cx="9144000" cy="2387600"/>
+            <a:off x="482441" y="768767"/>
+            <a:ext cx="5467668" cy="1635396"/>
           </a:xfrm>
         </p:spPr>
         <p:txBody>
           <a:bodyPr anchor="b"/>
           <a:lstStyle>
             <a:lvl1pPr algn="ctr">
-              <a:defRPr sz="6000"/>
+              <a:defRPr sz="4110"/>
             </a:lvl1pPr>
           </a:lstStyle>
           <a:p>
@@ -152,13 +157,13 @@
               <a:rPr lang="zh-CN" altLang="en-US" smtClean="0"/>
               <a:t>单击此处编辑母版标题样式</a:t>
             </a:r>
-            <a:endParaRPr lang="zh-CN" altLang="en-US"/>
-          </a:p>
-        </p:txBody>
-      </p:sp>
-      <p:sp>
-        <p:nvSpPr>
-          <p:cNvPr id="3" name="副标题 2"/>
+            <a:endParaRPr lang="en-US" dirty="0"/>
+          </a:p>
+        </p:txBody>
+      </p:sp>
+      <p:sp>
+        <p:nvSpPr>
+          <p:cNvPr id="3" name="Subtitle 2"/>
           <p:cNvSpPr>
             <a:spLocks noGrp="1"/>
           </p:cNvSpPr>
@@ -168,8 +173,8 @@
         </p:nvSpPr>
         <p:spPr>
           <a:xfrm>
-            <a:off x="1524000" y="3602038"/>
-            <a:ext cx="9144000" cy="1655762"/>
+            <a:off x="804069" y="2467230"/>
+            <a:ext cx="4824413" cy="1134120"/>
           </a:xfrm>
         </p:spPr>
         <p:txBody>
@@ -177,39 +182,39 @@
           <a:lstStyle>
             <a:lvl1pPr marL="0" indent="0" algn="ctr">
               <a:buNone/>
-              <a:defRPr sz="2400"/>
+              <a:defRPr sz="1644"/>
             </a:lvl1pPr>
-            <a:lvl2pPr marL="457200" indent="0" algn="ctr">
-              <a:buNone/>
-              <a:defRPr sz="2000"/>
+            <a:lvl2pPr marL="313182" indent="0" algn="ctr">
+              <a:buNone/>
+              <a:defRPr sz="1370"/>
             </a:lvl2pPr>
-            <a:lvl3pPr marL="914400" indent="0" algn="ctr">
-              <a:buNone/>
-              <a:defRPr sz="1800"/>
+            <a:lvl3pPr marL="626364" indent="0" algn="ctr">
+              <a:buNone/>
+              <a:defRPr sz="1233"/>
             </a:lvl3pPr>
-            <a:lvl4pPr marL="1371600" indent="0" algn="ctr">
-              <a:buNone/>
-              <a:defRPr sz="1600"/>
+            <a:lvl4pPr marL="939546" indent="0" algn="ctr">
+              <a:buNone/>
+              <a:defRPr sz="1096"/>
             </a:lvl4pPr>
-            <a:lvl5pPr marL="1828800" indent="0" algn="ctr">
-              <a:buNone/>
-              <a:defRPr sz="1600"/>
+            <a:lvl5pPr marL="1252728" indent="0" algn="ctr">
+              <a:buNone/>
+              <a:defRPr sz="1096"/>
             </a:lvl5pPr>
-            <a:lvl6pPr marL="2286000" indent="0" algn="ctr">
-              <a:buNone/>
-              <a:defRPr sz="1600"/>
+            <a:lvl6pPr marL="1565910" indent="0" algn="ctr">
+              <a:buNone/>
+              <a:defRPr sz="1096"/>
             </a:lvl6pPr>
-            <a:lvl7pPr marL="2743200" indent="0" algn="ctr">
-              <a:buNone/>
-              <a:defRPr sz="1600"/>
+            <a:lvl7pPr marL="1879092" indent="0" algn="ctr">
+              <a:buNone/>
+              <a:defRPr sz="1096"/>
             </a:lvl7pPr>
-            <a:lvl8pPr marL="3200400" indent="0" algn="ctr">
-              <a:buNone/>
-              <a:defRPr sz="1600"/>
+            <a:lvl8pPr marL="2192274" indent="0" algn="ctr">
+              <a:buNone/>
+              <a:defRPr sz="1096"/>
             </a:lvl8pPr>
-            <a:lvl9pPr marL="3657600" indent="0" algn="ctr">
-              <a:buNone/>
-              <a:defRPr sz="1600"/>
+            <a:lvl9pPr marL="2505456" indent="0" algn="ctr">
+              <a:buNone/>
+              <a:defRPr sz="1096"/>
             </a:lvl9pPr>
           </a:lstStyle>
           <a:p>
@@ -217,13 +222,13 @@
               <a:rPr lang="zh-CN" altLang="en-US" smtClean="0"/>
               <a:t>单击以编辑母版副标题样式</a:t>
             </a:r>
-            <a:endParaRPr lang="zh-CN" altLang="en-US"/>
-          </a:p>
-        </p:txBody>
-      </p:sp>
-      <p:sp>
-        <p:nvSpPr>
-          <p:cNvPr id="4" name="日期占位符 3"/>
+            <a:endParaRPr lang="en-US" dirty="0"/>
+          </a:p>
+        </p:txBody>
+      </p:sp>
+      <p:sp>
+        <p:nvSpPr>
+          <p:cNvPr id="4" name="Date Placeholder 3"/>
           <p:cNvSpPr>
             <a:spLocks noGrp="1"/>
           </p:cNvSpPr>
@@ -238,7 +243,7 @@
           <a:p>
             <a:fld id="{6685B2B4-3053-474B-B5CA-9BD4A5735613}" type="datetimeFigureOut">
               <a:rPr lang="zh-CN" altLang="en-US" smtClean="0"/>
-              <a:t>2021/12/20</a:t>
+              <a:t>2021/12/25</a:t>
             </a:fld>
             <a:endParaRPr lang="zh-CN" altLang="en-US"/>
           </a:p>
@@ -246,7 +251,7 @@
       </p:sp>
       <p:sp>
         <p:nvSpPr>
-          <p:cNvPr id="5" name="页脚占位符 4"/>
+          <p:cNvPr id="5" name="Footer Placeholder 4"/>
           <p:cNvSpPr>
             <a:spLocks noGrp="1"/>
           </p:cNvSpPr>
@@ -265,7 +270,7 @@
       </p:sp>
       <p:sp>
         <p:nvSpPr>
-          <p:cNvPr id="6" name="灯片编号占位符 5"/>
+          <p:cNvPr id="6" name="Slide Number Placeholder 5"/>
           <p:cNvSpPr>
             <a:spLocks noGrp="1"/>
           </p:cNvSpPr>
@@ -289,7 +294,7 @@
     </p:spTree>
     <p:extLst>
       <p:ext uri="{BB962C8B-B14F-4D97-AF65-F5344CB8AC3E}">
-        <p14:creationId xmlns:p14="http://schemas.microsoft.com/office/powerpoint/2010/main" val="3315925962"/>
+        <p14:creationId xmlns:p14="http://schemas.microsoft.com/office/powerpoint/2010/main" val="2684979541"/>
       </p:ext>
     </p:extLst>
   </p:cSld>
@@ -318,7 +323,7 @@
       </p:grpSpPr>
       <p:sp>
         <p:nvSpPr>
-          <p:cNvPr id="2" name="标题 1"/>
+          <p:cNvPr id="2" name="Title 1"/>
           <p:cNvSpPr>
             <a:spLocks noGrp="1"/>
           </p:cNvSpPr>
@@ -335,13 +340,13 @@
               <a:rPr lang="zh-CN" altLang="en-US" smtClean="0"/>
               <a:t>单击此处编辑母版标题样式</a:t>
             </a:r>
-            <a:endParaRPr lang="zh-CN" altLang="en-US"/>
-          </a:p>
-        </p:txBody>
-      </p:sp>
-      <p:sp>
-        <p:nvSpPr>
-          <p:cNvPr id="3" name="竖排文字占位符 2"/>
+            <a:endParaRPr lang="en-US" dirty="0"/>
+          </a:p>
+        </p:txBody>
+      </p:sp>
+      <p:sp>
+        <p:nvSpPr>
+          <p:cNvPr id="3" name="Vertical Text Placeholder 2"/>
           <p:cNvSpPr>
             <a:spLocks noGrp="1"/>
           </p:cNvSpPr>
@@ -387,13 +392,13 @@
               <a:rPr lang="zh-CN" altLang="en-US" smtClean="0"/>
               <a:t>第五级</a:t>
             </a:r>
-            <a:endParaRPr lang="zh-CN" altLang="en-US"/>
-          </a:p>
-        </p:txBody>
-      </p:sp>
-      <p:sp>
-        <p:nvSpPr>
-          <p:cNvPr id="4" name="日期占位符 3"/>
+            <a:endParaRPr lang="en-US" dirty="0"/>
+          </a:p>
+        </p:txBody>
+      </p:sp>
+      <p:sp>
+        <p:nvSpPr>
+          <p:cNvPr id="4" name="Date Placeholder 3"/>
           <p:cNvSpPr>
             <a:spLocks noGrp="1"/>
           </p:cNvSpPr>
@@ -408,7 +413,7 @@
           <a:p>
             <a:fld id="{6685B2B4-3053-474B-B5CA-9BD4A5735613}" type="datetimeFigureOut">
               <a:rPr lang="zh-CN" altLang="en-US" smtClean="0"/>
-              <a:t>2021/12/20</a:t>
+              <a:t>2021/12/25</a:t>
             </a:fld>
             <a:endParaRPr lang="zh-CN" altLang="en-US"/>
           </a:p>
@@ -416,7 +421,7 @@
       </p:sp>
       <p:sp>
         <p:nvSpPr>
-          <p:cNvPr id="5" name="页脚占位符 4"/>
+          <p:cNvPr id="5" name="Footer Placeholder 4"/>
           <p:cNvSpPr>
             <a:spLocks noGrp="1"/>
           </p:cNvSpPr>
@@ -435,7 +440,7 @@
       </p:sp>
       <p:sp>
         <p:nvSpPr>
-          <p:cNvPr id="6" name="灯片编号占位符 5"/>
+          <p:cNvPr id="6" name="Slide Number Placeholder 5"/>
           <p:cNvSpPr>
             <a:spLocks noGrp="1"/>
           </p:cNvSpPr>
@@ -459,7 +464,7 @@
     </p:spTree>
     <p:extLst>
       <p:ext uri="{BB962C8B-B14F-4D97-AF65-F5344CB8AC3E}">
-        <p14:creationId xmlns:p14="http://schemas.microsoft.com/office/powerpoint/2010/main" val="3350688552"/>
+        <p14:creationId xmlns:p14="http://schemas.microsoft.com/office/powerpoint/2010/main" val="1579898269"/>
       </p:ext>
     </p:extLst>
   </p:cSld>
@@ -488,7 +493,7 @@
       </p:grpSpPr>
       <p:sp>
         <p:nvSpPr>
-          <p:cNvPr id="2" name="竖排标题 1"/>
+          <p:cNvPr id="2" name="Vertical Title 1"/>
           <p:cNvSpPr>
             <a:spLocks noGrp="1"/>
           </p:cNvSpPr>
@@ -498,8 +503,8 @@
         </p:nvSpPr>
         <p:spPr>
           <a:xfrm>
-            <a:off x="8724900" y="365125"/>
-            <a:ext cx="2628900" cy="5811838"/>
+            <a:off x="4603294" y="250094"/>
+            <a:ext cx="1387019" cy="3980840"/>
           </a:xfrm>
         </p:spPr>
         <p:txBody>
@@ -510,13 +515,13 @@
               <a:rPr lang="zh-CN" altLang="en-US" smtClean="0"/>
               <a:t>单击此处编辑母版标题样式</a:t>
             </a:r>
-            <a:endParaRPr lang="zh-CN" altLang="en-US"/>
-          </a:p>
-        </p:txBody>
-      </p:sp>
-      <p:sp>
-        <p:nvSpPr>
-          <p:cNvPr id="3" name="竖排文字占位符 2"/>
+            <a:endParaRPr lang="en-US" dirty="0"/>
+          </a:p>
+        </p:txBody>
+      </p:sp>
+      <p:sp>
+        <p:nvSpPr>
+          <p:cNvPr id="3" name="Vertical Text Placeholder 2"/>
           <p:cNvSpPr>
             <a:spLocks noGrp="1"/>
           </p:cNvSpPr>
@@ -526,8 +531,8 @@
         </p:nvSpPr>
         <p:spPr>
           <a:xfrm>
-            <a:off x="838200" y="365125"/>
-            <a:ext cx="7734300" cy="5811838"/>
+            <a:off x="442238" y="250094"/>
+            <a:ext cx="4080649" cy="3980840"/>
           </a:xfrm>
         </p:spPr>
         <p:txBody>
@@ -567,13 +572,13 @@
               <a:rPr lang="zh-CN" altLang="en-US" smtClean="0"/>
               <a:t>第五级</a:t>
             </a:r>
-            <a:endParaRPr lang="zh-CN" altLang="en-US"/>
-          </a:p>
-        </p:txBody>
-      </p:sp>
-      <p:sp>
-        <p:nvSpPr>
-          <p:cNvPr id="4" name="日期占位符 3"/>
+            <a:endParaRPr lang="en-US" dirty="0"/>
+          </a:p>
+        </p:txBody>
+      </p:sp>
+      <p:sp>
+        <p:nvSpPr>
+          <p:cNvPr id="4" name="Date Placeholder 3"/>
           <p:cNvSpPr>
             <a:spLocks noGrp="1"/>
           </p:cNvSpPr>
@@ -588,7 +593,7 @@
           <a:p>
             <a:fld id="{6685B2B4-3053-474B-B5CA-9BD4A5735613}" type="datetimeFigureOut">
               <a:rPr lang="zh-CN" altLang="en-US" smtClean="0"/>
-              <a:t>2021/12/20</a:t>
+              <a:t>2021/12/25</a:t>
             </a:fld>
             <a:endParaRPr lang="zh-CN" altLang="en-US"/>
           </a:p>
@@ -596,7 +601,7 @@
       </p:sp>
       <p:sp>
         <p:nvSpPr>
-          <p:cNvPr id="5" name="页脚占位符 4"/>
+          <p:cNvPr id="5" name="Footer Placeholder 4"/>
           <p:cNvSpPr>
             <a:spLocks noGrp="1"/>
           </p:cNvSpPr>
@@ -615,7 +620,7 @@
       </p:sp>
       <p:sp>
         <p:nvSpPr>
-          <p:cNvPr id="6" name="灯片编号占位符 5"/>
+          <p:cNvPr id="6" name="Slide Number Placeholder 5"/>
           <p:cNvSpPr>
             <a:spLocks noGrp="1"/>
           </p:cNvSpPr>
@@ -639,7 +644,7 @@
     </p:spTree>
     <p:extLst>
       <p:ext uri="{BB962C8B-B14F-4D97-AF65-F5344CB8AC3E}">
-        <p14:creationId xmlns:p14="http://schemas.microsoft.com/office/powerpoint/2010/main" val="312761387"/>
+        <p14:creationId xmlns:p14="http://schemas.microsoft.com/office/powerpoint/2010/main" val="2789633469"/>
       </p:ext>
     </p:extLst>
   </p:cSld>
@@ -668,7 +673,7 @@
       </p:grpSpPr>
       <p:sp>
         <p:nvSpPr>
-          <p:cNvPr id="2" name="标题 1"/>
+          <p:cNvPr id="2" name="Title 1"/>
           <p:cNvSpPr>
             <a:spLocks noGrp="1"/>
           </p:cNvSpPr>
@@ -685,13 +690,13 @@
               <a:rPr lang="zh-CN" altLang="en-US" smtClean="0"/>
               <a:t>单击此处编辑母版标题样式</a:t>
             </a:r>
-            <a:endParaRPr lang="zh-CN" altLang="en-US"/>
-          </a:p>
-        </p:txBody>
-      </p:sp>
-      <p:sp>
-        <p:nvSpPr>
-          <p:cNvPr id="3" name="内容占位符 2"/>
+            <a:endParaRPr lang="en-US" dirty="0"/>
+          </a:p>
+        </p:txBody>
+      </p:sp>
+      <p:sp>
+        <p:nvSpPr>
+          <p:cNvPr id="3" name="Content Placeholder 2"/>
           <p:cNvSpPr>
             <a:spLocks noGrp="1"/>
           </p:cNvSpPr>
@@ -737,13 +742,13 @@
               <a:rPr lang="zh-CN" altLang="en-US" smtClean="0"/>
               <a:t>第五级</a:t>
             </a:r>
-            <a:endParaRPr lang="zh-CN" altLang="en-US"/>
-          </a:p>
-        </p:txBody>
-      </p:sp>
-      <p:sp>
-        <p:nvSpPr>
-          <p:cNvPr id="4" name="日期占位符 3"/>
+            <a:endParaRPr lang="en-US" dirty="0"/>
+          </a:p>
+        </p:txBody>
+      </p:sp>
+      <p:sp>
+        <p:nvSpPr>
+          <p:cNvPr id="4" name="Date Placeholder 3"/>
           <p:cNvSpPr>
             <a:spLocks noGrp="1"/>
           </p:cNvSpPr>
@@ -758,7 +763,7 @@
           <a:p>
             <a:fld id="{6685B2B4-3053-474B-B5CA-9BD4A5735613}" type="datetimeFigureOut">
               <a:rPr lang="zh-CN" altLang="en-US" smtClean="0"/>
-              <a:t>2021/12/20</a:t>
+              <a:t>2021/12/25</a:t>
             </a:fld>
             <a:endParaRPr lang="zh-CN" altLang="en-US"/>
           </a:p>
@@ -766,7 +771,7 @@
       </p:sp>
       <p:sp>
         <p:nvSpPr>
-          <p:cNvPr id="5" name="页脚占位符 4"/>
+          <p:cNvPr id="5" name="Footer Placeholder 4"/>
           <p:cNvSpPr>
             <a:spLocks noGrp="1"/>
           </p:cNvSpPr>
@@ -785,7 +790,7 @@
       </p:sp>
       <p:sp>
         <p:nvSpPr>
-          <p:cNvPr id="6" name="灯片编号占位符 5"/>
+          <p:cNvPr id="6" name="Slide Number Placeholder 5"/>
           <p:cNvSpPr>
             <a:spLocks noGrp="1"/>
           </p:cNvSpPr>
@@ -809,7 +814,7 @@
     </p:spTree>
     <p:extLst>
       <p:ext uri="{BB962C8B-B14F-4D97-AF65-F5344CB8AC3E}">
-        <p14:creationId xmlns:p14="http://schemas.microsoft.com/office/powerpoint/2010/main" val="3854213866"/>
+        <p14:creationId xmlns:p14="http://schemas.microsoft.com/office/powerpoint/2010/main" val="3765249461"/>
       </p:ext>
     </p:extLst>
   </p:cSld>
@@ -838,7 +843,7 @@
       </p:grpSpPr>
       <p:sp>
         <p:nvSpPr>
-          <p:cNvPr id="2" name="标题 1"/>
+          <p:cNvPr id="2" name="Title 1"/>
           <p:cNvSpPr>
             <a:spLocks noGrp="1"/>
           </p:cNvSpPr>
@@ -848,15 +853,15 @@
         </p:nvSpPr>
         <p:spPr>
           <a:xfrm>
-            <a:off x="831850" y="1709738"/>
-            <a:ext cx="10515600" cy="2852737"/>
+            <a:off x="438888" y="1171093"/>
+            <a:ext cx="5548074" cy="1953993"/>
           </a:xfrm>
         </p:spPr>
         <p:txBody>
           <a:bodyPr anchor="b"/>
           <a:lstStyle>
             <a:lvl1pPr>
-              <a:defRPr sz="6000"/>
+              <a:defRPr sz="4110"/>
             </a:lvl1pPr>
           </a:lstStyle>
           <a:p>
@@ -864,13 +869,13 @@
               <a:rPr lang="zh-CN" altLang="en-US" smtClean="0"/>
               <a:t>单击此处编辑母版标题样式</a:t>
             </a:r>
-            <a:endParaRPr lang="zh-CN" altLang="en-US"/>
-          </a:p>
-        </p:txBody>
-      </p:sp>
-      <p:sp>
-        <p:nvSpPr>
-          <p:cNvPr id="3" name="文本占位符 2"/>
+            <a:endParaRPr lang="en-US" dirty="0"/>
+          </a:p>
+        </p:txBody>
+      </p:sp>
+      <p:sp>
+        <p:nvSpPr>
+          <p:cNvPr id="3" name="Text Placeholder 2"/>
           <p:cNvSpPr>
             <a:spLocks noGrp="1"/>
           </p:cNvSpPr>
@@ -880,8 +885,8 @@
         </p:nvSpPr>
         <p:spPr>
           <a:xfrm>
-            <a:off x="831850" y="4589463"/>
-            <a:ext cx="10515600" cy="1500187"/>
+            <a:off x="438888" y="3143571"/>
+            <a:ext cx="5548074" cy="1027559"/>
           </a:xfrm>
         </p:spPr>
         <p:txBody>
@@ -889,17 +894,15 @@
           <a:lstStyle>
             <a:lvl1pPr marL="0" indent="0">
               <a:buNone/>
-              <a:defRPr sz="2400">
+              <a:defRPr sz="1644">
                 <a:solidFill>
-                  <a:schemeClr val="tx1">
-                    <a:tint val="75000"/>
-                  </a:schemeClr>
+                  <a:schemeClr val="tx1"/>
                 </a:solidFill>
               </a:defRPr>
             </a:lvl1pPr>
-            <a:lvl2pPr marL="457200" indent="0">
-              <a:buNone/>
-              <a:defRPr sz="2000">
+            <a:lvl2pPr marL="313182" indent="0">
+              <a:buNone/>
+              <a:defRPr sz="1370">
                 <a:solidFill>
                   <a:schemeClr val="tx1">
                     <a:tint val="75000"/>
@@ -907,9 +910,9 @@
                 </a:solidFill>
               </a:defRPr>
             </a:lvl2pPr>
-            <a:lvl3pPr marL="914400" indent="0">
-              <a:buNone/>
-              <a:defRPr sz="1800">
+            <a:lvl3pPr marL="626364" indent="0">
+              <a:buNone/>
+              <a:defRPr sz="1233">
                 <a:solidFill>
                   <a:schemeClr val="tx1">
                     <a:tint val="75000"/>
@@ -917,9 +920,9 @@
                 </a:solidFill>
               </a:defRPr>
             </a:lvl3pPr>
-            <a:lvl4pPr marL="1371600" indent="0">
-              <a:buNone/>
-              <a:defRPr sz="1600">
+            <a:lvl4pPr marL="939546" indent="0">
+              <a:buNone/>
+              <a:defRPr sz="1096">
                 <a:solidFill>
                   <a:schemeClr val="tx1">
                     <a:tint val="75000"/>
@@ -927,9 +930,9 @@
                 </a:solidFill>
               </a:defRPr>
             </a:lvl4pPr>
-            <a:lvl5pPr marL="1828800" indent="0">
-              <a:buNone/>
-              <a:defRPr sz="1600">
+            <a:lvl5pPr marL="1252728" indent="0">
+              <a:buNone/>
+              <a:defRPr sz="1096">
                 <a:solidFill>
                   <a:schemeClr val="tx1">
                     <a:tint val="75000"/>
@@ -937,9 +940,9 @@
                 </a:solidFill>
               </a:defRPr>
             </a:lvl5pPr>
-            <a:lvl6pPr marL="2286000" indent="0">
-              <a:buNone/>
-              <a:defRPr sz="1600">
+            <a:lvl6pPr marL="1565910" indent="0">
+              <a:buNone/>
+              <a:defRPr sz="1096">
                 <a:solidFill>
                   <a:schemeClr val="tx1">
                     <a:tint val="75000"/>
@@ -947,9 +950,9 @@
                 </a:solidFill>
               </a:defRPr>
             </a:lvl6pPr>
-            <a:lvl7pPr marL="2743200" indent="0">
-              <a:buNone/>
-              <a:defRPr sz="1600">
+            <a:lvl7pPr marL="1879092" indent="0">
+              <a:buNone/>
+              <a:defRPr sz="1096">
                 <a:solidFill>
                   <a:schemeClr val="tx1">
                     <a:tint val="75000"/>
@@ -957,9 +960,9 @@
                 </a:solidFill>
               </a:defRPr>
             </a:lvl7pPr>
-            <a:lvl8pPr marL="3200400" indent="0">
-              <a:buNone/>
-              <a:defRPr sz="1600">
+            <a:lvl8pPr marL="2192274" indent="0">
+              <a:buNone/>
+              <a:defRPr sz="1096">
                 <a:solidFill>
                   <a:schemeClr val="tx1">
                     <a:tint val="75000"/>
@@ -967,9 +970,9 @@
                 </a:solidFill>
               </a:defRPr>
             </a:lvl8pPr>
-            <a:lvl9pPr marL="3657600" indent="0">
-              <a:buNone/>
-              <a:defRPr sz="1600">
+            <a:lvl9pPr marL="2505456" indent="0">
+              <a:buNone/>
+              <a:defRPr sz="1096">
                 <a:solidFill>
                   <a:schemeClr val="tx1">
                     <a:tint val="75000"/>
@@ -989,7 +992,7 @@
       </p:sp>
       <p:sp>
         <p:nvSpPr>
-          <p:cNvPr id="4" name="日期占位符 3"/>
+          <p:cNvPr id="4" name="Date Placeholder 3"/>
           <p:cNvSpPr>
             <a:spLocks noGrp="1"/>
           </p:cNvSpPr>
@@ -1004,7 +1007,7 @@
           <a:p>
             <a:fld id="{6685B2B4-3053-474B-B5CA-9BD4A5735613}" type="datetimeFigureOut">
               <a:rPr lang="zh-CN" altLang="en-US" smtClean="0"/>
-              <a:t>2021/12/20</a:t>
+              <a:t>2021/12/25</a:t>
             </a:fld>
             <a:endParaRPr lang="zh-CN" altLang="en-US"/>
           </a:p>
@@ -1012,7 +1015,7 @@
       </p:sp>
       <p:sp>
         <p:nvSpPr>
-          <p:cNvPr id="5" name="页脚占位符 4"/>
+          <p:cNvPr id="5" name="Footer Placeholder 4"/>
           <p:cNvSpPr>
             <a:spLocks noGrp="1"/>
           </p:cNvSpPr>
@@ -1031,7 +1034,7 @@
       </p:sp>
       <p:sp>
         <p:nvSpPr>
-          <p:cNvPr id="6" name="灯片编号占位符 5"/>
+          <p:cNvPr id="6" name="Slide Number Placeholder 5"/>
           <p:cNvSpPr>
             <a:spLocks noGrp="1"/>
           </p:cNvSpPr>
@@ -1055,7 +1058,7 @@
     </p:spTree>
     <p:extLst>
       <p:ext uri="{BB962C8B-B14F-4D97-AF65-F5344CB8AC3E}">
-        <p14:creationId xmlns:p14="http://schemas.microsoft.com/office/powerpoint/2010/main" val="2295980540"/>
+        <p14:creationId xmlns:p14="http://schemas.microsoft.com/office/powerpoint/2010/main" val="1610141177"/>
       </p:ext>
     </p:extLst>
   </p:cSld>
@@ -1084,7 +1087,7 @@
       </p:grpSpPr>
       <p:sp>
         <p:nvSpPr>
-          <p:cNvPr id="2" name="标题 1"/>
+          <p:cNvPr id="2" name="Title 1"/>
           <p:cNvSpPr>
             <a:spLocks noGrp="1"/>
           </p:cNvSpPr>
@@ -1101,13 +1104,13 @@
               <a:rPr lang="zh-CN" altLang="en-US" smtClean="0"/>
               <a:t>单击此处编辑母版标题样式</a:t>
             </a:r>
-            <a:endParaRPr lang="zh-CN" altLang="en-US"/>
-          </a:p>
-        </p:txBody>
-      </p:sp>
-      <p:sp>
-        <p:nvSpPr>
-          <p:cNvPr id="3" name="内容占位符 2"/>
+            <a:endParaRPr lang="en-US" dirty="0"/>
+          </a:p>
+        </p:txBody>
+      </p:sp>
+      <p:sp>
+        <p:nvSpPr>
+          <p:cNvPr id="3" name="Content Placeholder 2"/>
           <p:cNvSpPr>
             <a:spLocks noGrp="1"/>
           </p:cNvSpPr>
@@ -1117,8 +1120,8 @@
         </p:nvSpPr>
         <p:spPr>
           <a:xfrm>
-            <a:off x="838200" y="1825625"/>
-            <a:ext cx="5181600" cy="4351338"/>
+            <a:off x="442238" y="1250469"/>
+            <a:ext cx="2733834" cy="2980465"/>
           </a:xfrm>
         </p:spPr>
         <p:txBody>
@@ -1158,13 +1161,13 @@
               <a:rPr lang="zh-CN" altLang="en-US" smtClean="0"/>
               <a:t>第五级</a:t>
             </a:r>
-            <a:endParaRPr lang="zh-CN" altLang="en-US"/>
-          </a:p>
-        </p:txBody>
-      </p:sp>
-      <p:sp>
-        <p:nvSpPr>
-          <p:cNvPr id="4" name="内容占位符 3"/>
+            <a:endParaRPr lang="en-US" dirty="0"/>
+          </a:p>
+        </p:txBody>
+      </p:sp>
+      <p:sp>
+        <p:nvSpPr>
+          <p:cNvPr id="4" name="Content Placeholder 3"/>
           <p:cNvSpPr>
             <a:spLocks noGrp="1"/>
           </p:cNvSpPr>
@@ -1174,8 +1177,8 @@
         </p:nvSpPr>
         <p:spPr>
           <a:xfrm>
-            <a:off x="6172200" y="1825625"/>
-            <a:ext cx="5181600" cy="4351338"/>
+            <a:off x="3256478" y="1250469"/>
+            <a:ext cx="2733834" cy="2980465"/>
           </a:xfrm>
         </p:spPr>
         <p:txBody>
@@ -1215,13 +1218,13 @@
               <a:rPr lang="zh-CN" altLang="en-US" smtClean="0"/>
               <a:t>第五级</a:t>
             </a:r>
-            <a:endParaRPr lang="zh-CN" altLang="en-US"/>
-          </a:p>
-        </p:txBody>
-      </p:sp>
-      <p:sp>
-        <p:nvSpPr>
-          <p:cNvPr id="5" name="日期占位符 4"/>
+            <a:endParaRPr lang="en-US" dirty="0"/>
+          </a:p>
+        </p:txBody>
+      </p:sp>
+      <p:sp>
+        <p:nvSpPr>
+          <p:cNvPr id="5" name="Date Placeholder 4"/>
           <p:cNvSpPr>
             <a:spLocks noGrp="1"/>
           </p:cNvSpPr>
@@ -1236,7 +1239,7 @@
           <a:p>
             <a:fld id="{6685B2B4-3053-474B-B5CA-9BD4A5735613}" type="datetimeFigureOut">
               <a:rPr lang="zh-CN" altLang="en-US" smtClean="0"/>
-              <a:t>2021/12/20</a:t>
+              <a:t>2021/12/25</a:t>
             </a:fld>
             <a:endParaRPr lang="zh-CN" altLang="en-US"/>
           </a:p>
@@ -1244,7 +1247,7 @@
       </p:sp>
       <p:sp>
         <p:nvSpPr>
-          <p:cNvPr id="6" name="页脚占位符 5"/>
+          <p:cNvPr id="6" name="Footer Placeholder 5"/>
           <p:cNvSpPr>
             <a:spLocks noGrp="1"/>
           </p:cNvSpPr>
@@ -1263,7 +1266,7 @@
       </p:sp>
       <p:sp>
         <p:nvSpPr>
-          <p:cNvPr id="7" name="灯片编号占位符 6"/>
+          <p:cNvPr id="7" name="Slide Number Placeholder 6"/>
           <p:cNvSpPr>
             <a:spLocks noGrp="1"/>
           </p:cNvSpPr>
@@ -1287,7 +1290,7 @@
     </p:spTree>
     <p:extLst>
       <p:ext uri="{BB962C8B-B14F-4D97-AF65-F5344CB8AC3E}">
-        <p14:creationId xmlns:p14="http://schemas.microsoft.com/office/powerpoint/2010/main" val="3301153740"/>
+        <p14:creationId xmlns:p14="http://schemas.microsoft.com/office/powerpoint/2010/main" val="1753801815"/>
       </p:ext>
     </p:extLst>
   </p:cSld>
@@ -1316,7 +1319,7 @@
       </p:grpSpPr>
       <p:sp>
         <p:nvSpPr>
-          <p:cNvPr id="2" name="标题 1"/>
+          <p:cNvPr id="2" name="Title 1"/>
           <p:cNvSpPr>
             <a:spLocks noGrp="1"/>
           </p:cNvSpPr>
@@ -1326,8 +1329,8 @@
         </p:nvSpPr>
         <p:spPr>
           <a:xfrm>
-            <a:off x="839788" y="365125"/>
-            <a:ext cx="10515600" cy="1325563"/>
+            <a:off x="443076" y="250095"/>
+            <a:ext cx="5548074" cy="907949"/>
           </a:xfrm>
         </p:spPr>
         <p:txBody>
@@ -1338,13 +1341,13 @@
               <a:rPr lang="zh-CN" altLang="en-US" smtClean="0"/>
               <a:t>单击此处编辑母版标题样式</a:t>
             </a:r>
-            <a:endParaRPr lang="zh-CN" altLang="en-US"/>
-          </a:p>
-        </p:txBody>
-      </p:sp>
-      <p:sp>
-        <p:nvSpPr>
-          <p:cNvPr id="3" name="文本占位符 2"/>
+            <a:endParaRPr lang="en-US" dirty="0"/>
+          </a:p>
+        </p:txBody>
+      </p:sp>
+      <p:sp>
+        <p:nvSpPr>
+          <p:cNvPr id="3" name="Text Placeholder 2"/>
           <p:cNvSpPr>
             <a:spLocks noGrp="1"/>
           </p:cNvSpPr>
@@ -1354,8 +1357,8 @@
         </p:nvSpPr>
         <p:spPr>
           <a:xfrm>
-            <a:off x="839788" y="1681163"/>
-            <a:ext cx="5157787" cy="823912"/>
+            <a:off x="443076" y="1151519"/>
+            <a:ext cx="2721270" cy="564342"/>
           </a:xfrm>
         </p:spPr>
         <p:txBody>
@@ -1363,39 +1366,39 @@
           <a:lstStyle>
             <a:lvl1pPr marL="0" indent="0">
               <a:buNone/>
-              <a:defRPr sz="2400" b="1"/>
+              <a:defRPr sz="1644" b="1"/>
             </a:lvl1pPr>
-            <a:lvl2pPr marL="457200" indent="0">
-              <a:buNone/>
-              <a:defRPr sz="2000" b="1"/>
+            <a:lvl2pPr marL="313182" indent="0">
+              <a:buNone/>
+              <a:defRPr sz="1370" b="1"/>
             </a:lvl2pPr>
-            <a:lvl3pPr marL="914400" indent="0">
-              <a:buNone/>
-              <a:defRPr sz="1800" b="1"/>
+            <a:lvl3pPr marL="626364" indent="0">
+              <a:buNone/>
+              <a:defRPr sz="1233" b="1"/>
             </a:lvl3pPr>
-            <a:lvl4pPr marL="1371600" indent="0">
-              <a:buNone/>
-              <a:defRPr sz="1600" b="1"/>
+            <a:lvl4pPr marL="939546" indent="0">
+              <a:buNone/>
+              <a:defRPr sz="1096" b="1"/>
             </a:lvl4pPr>
-            <a:lvl5pPr marL="1828800" indent="0">
-              <a:buNone/>
-              <a:defRPr sz="1600" b="1"/>
+            <a:lvl5pPr marL="1252728" indent="0">
+              <a:buNone/>
+              <a:defRPr sz="1096" b="1"/>
             </a:lvl5pPr>
-            <a:lvl6pPr marL="2286000" indent="0">
-              <a:buNone/>
-              <a:defRPr sz="1600" b="1"/>
+            <a:lvl6pPr marL="1565910" indent="0">
+              <a:buNone/>
+              <a:defRPr sz="1096" b="1"/>
             </a:lvl6pPr>
-            <a:lvl7pPr marL="2743200" indent="0">
-              <a:buNone/>
-              <a:defRPr sz="1600" b="1"/>
+            <a:lvl7pPr marL="1879092" indent="0">
+              <a:buNone/>
+              <a:defRPr sz="1096" b="1"/>
             </a:lvl7pPr>
-            <a:lvl8pPr marL="3200400" indent="0">
-              <a:buNone/>
-              <a:defRPr sz="1600" b="1"/>
+            <a:lvl8pPr marL="2192274" indent="0">
+              <a:buNone/>
+              <a:defRPr sz="1096" b="1"/>
             </a:lvl8pPr>
-            <a:lvl9pPr marL="3657600" indent="0">
-              <a:buNone/>
-              <a:defRPr sz="1600" b="1"/>
+            <a:lvl9pPr marL="2505456" indent="0">
+              <a:buNone/>
+              <a:defRPr sz="1096" b="1"/>
             </a:lvl9pPr>
           </a:lstStyle>
           <a:p>
@@ -1409,7 +1412,7 @@
       </p:sp>
       <p:sp>
         <p:nvSpPr>
-          <p:cNvPr id="4" name="内容占位符 3"/>
+          <p:cNvPr id="4" name="Content Placeholder 3"/>
           <p:cNvSpPr>
             <a:spLocks noGrp="1"/>
           </p:cNvSpPr>
@@ -1419,8 +1422,8 @@
         </p:nvSpPr>
         <p:spPr>
           <a:xfrm>
-            <a:off x="839788" y="2505075"/>
-            <a:ext cx="5157787" cy="3684588"/>
+            <a:off x="443076" y="1715861"/>
+            <a:ext cx="2721270" cy="2523772"/>
           </a:xfrm>
         </p:spPr>
         <p:txBody>
@@ -1460,13 +1463,13 @@
               <a:rPr lang="zh-CN" altLang="en-US" smtClean="0"/>
               <a:t>第五级</a:t>
             </a:r>
-            <a:endParaRPr lang="zh-CN" altLang="en-US"/>
-          </a:p>
-        </p:txBody>
-      </p:sp>
-      <p:sp>
-        <p:nvSpPr>
-          <p:cNvPr id="5" name="文本占位符 4"/>
+            <a:endParaRPr lang="en-US" dirty="0"/>
+          </a:p>
+        </p:txBody>
+      </p:sp>
+      <p:sp>
+        <p:nvSpPr>
+          <p:cNvPr id="5" name="Text Placeholder 4"/>
           <p:cNvSpPr>
             <a:spLocks noGrp="1"/>
           </p:cNvSpPr>
@@ -1476,8 +1479,8 @@
         </p:nvSpPr>
         <p:spPr>
           <a:xfrm>
-            <a:off x="6172200" y="1681163"/>
-            <a:ext cx="5183188" cy="823912"/>
+            <a:off x="3256479" y="1151519"/>
+            <a:ext cx="2734672" cy="564342"/>
           </a:xfrm>
         </p:spPr>
         <p:txBody>
@@ -1485,39 +1488,39 @@
           <a:lstStyle>
             <a:lvl1pPr marL="0" indent="0">
               <a:buNone/>
-              <a:defRPr sz="2400" b="1"/>
+              <a:defRPr sz="1644" b="1"/>
             </a:lvl1pPr>
-            <a:lvl2pPr marL="457200" indent="0">
-              <a:buNone/>
-              <a:defRPr sz="2000" b="1"/>
+            <a:lvl2pPr marL="313182" indent="0">
+              <a:buNone/>
+              <a:defRPr sz="1370" b="1"/>
             </a:lvl2pPr>
-            <a:lvl3pPr marL="914400" indent="0">
-              <a:buNone/>
-              <a:defRPr sz="1800" b="1"/>
+            <a:lvl3pPr marL="626364" indent="0">
+              <a:buNone/>
+              <a:defRPr sz="1233" b="1"/>
             </a:lvl3pPr>
-            <a:lvl4pPr marL="1371600" indent="0">
-              <a:buNone/>
-              <a:defRPr sz="1600" b="1"/>
+            <a:lvl4pPr marL="939546" indent="0">
+              <a:buNone/>
+              <a:defRPr sz="1096" b="1"/>
             </a:lvl4pPr>
-            <a:lvl5pPr marL="1828800" indent="0">
-              <a:buNone/>
-              <a:defRPr sz="1600" b="1"/>
+            <a:lvl5pPr marL="1252728" indent="0">
+              <a:buNone/>
+              <a:defRPr sz="1096" b="1"/>
             </a:lvl5pPr>
-            <a:lvl6pPr marL="2286000" indent="0">
-              <a:buNone/>
-              <a:defRPr sz="1600" b="1"/>
+            <a:lvl6pPr marL="1565910" indent="0">
+              <a:buNone/>
+              <a:defRPr sz="1096" b="1"/>
             </a:lvl6pPr>
-            <a:lvl7pPr marL="2743200" indent="0">
-              <a:buNone/>
-              <a:defRPr sz="1600" b="1"/>
+            <a:lvl7pPr marL="1879092" indent="0">
+              <a:buNone/>
+              <a:defRPr sz="1096" b="1"/>
             </a:lvl7pPr>
-            <a:lvl8pPr marL="3200400" indent="0">
-              <a:buNone/>
-              <a:defRPr sz="1600" b="1"/>
+            <a:lvl8pPr marL="2192274" indent="0">
+              <a:buNone/>
+              <a:defRPr sz="1096" b="1"/>
             </a:lvl8pPr>
-            <a:lvl9pPr marL="3657600" indent="0">
-              <a:buNone/>
-              <a:defRPr sz="1600" b="1"/>
+            <a:lvl9pPr marL="2505456" indent="0">
+              <a:buNone/>
+              <a:defRPr sz="1096" b="1"/>
             </a:lvl9pPr>
           </a:lstStyle>
           <a:p>
@@ -1531,7 +1534,7 @@
       </p:sp>
       <p:sp>
         <p:nvSpPr>
-          <p:cNvPr id="6" name="内容占位符 5"/>
+          <p:cNvPr id="6" name="Content Placeholder 5"/>
           <p:cNvSpPr>
             <a:spLocks noGrp="1"/>
           </p:cNvSpPr>
@@ -1541,8 +1544,8 @@
         </p:nvSpPr>
         <p:spPr>
           <a:xfrm>
-            <a:off x="6172200" y="2505075"/>
-            <a:ext cx="5183188" cy="3684588"/>
+            <a:off x="3256479" y="1715861"/>
+            <a:ext cx="2734672" cy="2523772"/>
           </a:xfrm>
         </p:spPr>
         <p:txBody>
@@ -1582,13 +1585,13 @@
               <a:rPr lang="zh-CN" altLang="en-US" smtClean="0"/>
               <a:t>第五级</a:t>
             </a:r>
-            <a:endParaRPr lang="zh-CN" altLang="en-US"/>
-          </a:p>
-        </p:txBody>
-      </p:sp>
-      <p:sp>
-        <p:nvSpPr>
-          <p:cNvPr id="7" name="日期占位符 6"/>
+            <a:endParaRPr lang="en-US" dirty="0"/>
+          </a:p>
+        </p:txBody>
+      </p:sp>
+      <p:sp>
+        <p:nvSpPr>
+          <p:cNvPr id="7" name="Date Placeholder 6"/>
           <p:cNvSpPr>
             <a:spLocks noGrp="1"/>
           </p:cNvSpPr>
@@ -1603,7 +1606,7 @@
           <a:p>
             <a:fld id="{6685B2B4-3053-474B-B5CA-9BD4A5735613}" type="datetimeFigureOut">
               <a:rPr lang="zh-CN" altLang="en-US" smtClean="0"/>
-              <a:t>2021/12/20</a:t>
+              <a:t>2021/12/25</a:t>
             </a:fld>
             <a:endParaRPr lang="zh-CN" altLang="en-US"/>
           </a:p>
@@ -1611,7 +1614,7 @@
       </p:sp>
       <p:sp>
         <p:nvSpPr>
-          <p:cNvPr id="8" name="页脚占位符 7"/>
+          <p:cNvPr id="8" name="Footer Placeholder 7"/>
           <p:cNvSpPr>
             <a:spLocks noGrp="1"/>
           </p:cNvSpPr>
@@ -1630,7 +1633,7 @@
       </p:sp>
       <p:sp>
         <p:nvSpPr>
-          <p:cNvPr id="9" name="灯片编号占位符 8"/>
+          <p:cNvPr id="9" name="Slide Number Placeholder 8"/>
           <p:cNvSpPr>
             <a:spLocks noGrp="1"/>
           </p:cNvSpPr>
@@ -1654,7 +1657,7 @@
     </p:spTree>
     <p:extLst>
       <p:ext uri="{BB962C8B-B14F-4D97-AF65-F5344CB8AC3E}">
-        <p14:creationId xmlns:p14="http://schemas.microsoft.com/office/powerpoint/2010/main" val="4223214720"/>
+        <p14:creationId xmlns:p14="http://schemas.microsoft.com/office/powerpoint/2010/main" val="34601841"/>
       </p:ext>
     </p:extLst>
   </p:cSld>
@@ -1683,7 +1686,7 @@
       </p:grpSpPr>
       <p:sp>
         <p:nvSpPr>
-          <p:cNvPr id="2" name="标题 1"/>
+          <p:cNvPr id="2" name="Title 1"/>
           <p:cNvSpPr>
             <a:spLocks noGrp="1"/>
           </p:cNvSpPr>
@@ -1700,13 +1703,13 @@
               <a:rPr lang="zh-CN" altLang="en-US" smtClean="0"/>
               <a:t>单击此处编辑母版标题样式</a:t>
             </a:r>
-            <a:endParaRPr lang="zh-CN" altLang="en-US"/>
-          </a:p>
-        </p:txBody>
-      </p:sp>
-      <p:sp>
-        <p:nvSpPr>
-          <p:cNvPr id="3" name="日期占位符 2"/>
+            <a:endParaRPr lang="en-US" dirty="0"/>
+          </a:p>
+        </p:txBody>
+      </p:sp>
+      <p:sp>
+        <p:nvSpPr>
+          <p:cNvPr id="3" name="Date Placeholder 2"/>
           <p:cNvSpPr>
             <a:spLocks noGrp="1"/>
           </p:cNvSpPr>
@@ -1721,7 +1724,7 @@
           <a:p>
             <a:fld id="{6685B2B4-3053-474B-B5CA-9BD4A5735613}" type="datetimeFigureOut">
               <a:rPr lang="zh-CN" altLang="en-US" smtClean="0"/>
-              <a:t>2021/12/20</a:t>
+              <a:t>2021/12/25</a:t>
             </a:fld>
             <a:endParaRPr lang="zh-CN" altLang="en-US"/>
           </a:p>
@@ -1729,7 +1732,7 @@
       </p:sp>
       <p:sp>
         <p:nvSpPr>
-          <p:cNvPr id="4" name="页脚占位符 3"/>
+          <p:cNvPr id="4" name="Footer Placeholder 3"/>
           <p:cNvSpPr>
             <a:spLocks noGrp="1"/>
           </p:cNvSpPr>
@@ -1748,7 +1751,7 @@
       </p:sp>
       <p:sp>
         <p:nvSpPr>
-          <p:cNvPr id="5" name="灯片编号占位符 4"/>
+          <p:cNvPr id="5" name="Slide Number Placeholder 4"/>
           <p:cNvSpPr>
             <a:spLocks noGrp="1"/>
           </p:cNvSpPr>
@@ -1772,7 +1775,7 @@
     </p:spTree>
     <p:extLst>
       <p:ext uri="{BB962C8B-B14F-4D97-AF65-F5344CB8AC3E}">
-        <p14:creationId xmlns:p14="http://schemas.microsoft.com/office/powerpoint/2010/main" val="2280083074"/>
+        <p14:creationId xmlns:p14="http://schemas.microsoft.com/office/powerpoint/2010/main" val="188613347"/>
       </p:ext>
     </p:extLst>
   </p:cSld>
@@ -1801,7 +1804,7 @@
       </p:grpSpPr>
       <p:sp>
         <p:nvSpPr>
-          <p:cNvPr id="2" name="日期占位符 1"/>
+          <p:cNvPr id="2" name="Date Placeholder 1"/>
           <p:cNvSpPr>
             <a:spLocks noGrp="1"/>
           </p:cNvSpPr>
@@ -1816,7 +1819,7 @@
           <a:p>
             <a:fld id="{6685B2B4-3053-474B-B5CA-9BD4A5735613}" type="datetimeFigureOut">
               <a:rPr lang="zh-CN" altLang="en-US" smtClean="0"/>
-              <a:t>2021/12/20</a:t>
+              <a:t>2021/12/25</a:t>
             </a:fld>
             <a:endParaRPr lang="zh-CN" altLang="en-US"/>
           </a:p>
@@ -1824,7 +1827,7 @@
       </p:sp>
       <p:sp>
         <p:nvSpPr>
-          <p:cNvPr id="3" name="页脚占位符 2"/>
+          <p:cNvPr id="3" name="Footer Placeholder 2"/>
           <p:cNvSpPr>
             <a:spLocks noGrp="1"/>
           </p:cNvSpPr>
@@ -1843,7 +1846,7 @@
       </p:sp>
       <p:sp>
         <p:nvSpPr>
-          <p:cNvPr id="4" name="灯片编号占位符 3"/>
+          <p:cNvPr id="4" name="Slide Number Placeholder 3"/>
           <p:cNvSpPr>
             <a:spLocks noGrp="1"/>
           </p:cNvSpPr>
@@ -1867,7 +1870,7 @@
     </p:spTree>
     <p:extLst>
       <p:ext uri="{BB962C8B-B14F-4D97-AF65-F5344CB8AC3E}">
-        <p14:creationId xmlns:p14="http://schemas.microsoft.com/office/powerpoint/2010/main" val="1091592889"/>
+        <p14:creationId xmlns:p14="http://schemas.microsoft.com/office/powerpoint/2010/main" val="793473915"/>
       </p:ext>
     </p:extLst>
   </p:cSld>
@@ -1896,7 +1899,7 @@
       </p:grpSpPr>
       <p:sp>
         <p:nvSpPr>
-          <p:cNvPr id="2" name="标题 1"/>
+          <p:cNvPr id="2" name="Title 1"/>
           <p:cNvSpPr>
             <a:spLocks noGrp="1"/>
           </p:cNvSpPr>
@@ -1906,15 +1909,15 @@
         </p:nvSpPr>
         <p:spPr>
           <a:xfrm>
-            <a:off x="839788" y="457200"/>
-            <a:ext cx="3932237" cy="1600200"/>
+            <a:off x="443076" y="313161"/>
+            <a:ext cx="2074665" cy="1096063"/>
           </a:xfrm>
         </p:spPr>
         <p:txBody>
           <a:bodyPr anchor="b"/>
           <a:lstStyle>
             <a:lvl1pPr>
-              <a:defRPr sz="3200"/>
+              <a:defRPr sz="2192"/>
             </a:lvl1pPr>
           </a:lstStyle>
           <a:p>
@@ -1922,13 +1925,13 @@
               <a:rPr lang="zh-CN" altLang="en-US" smtClean="0"/>
               <a:t>单击此处编辑母版标题样式</a:t>
             </a:r>
-            <a:endParaRPr lang="zh-CN" altLang="en-US"/>
-          </a:p>
-        </p:txBody>
-      </p:sp>
-      <p:sp>
-        <p:nvSpPr>
-          <p:cNvPr id="3" name="内容占位符 2"/>
+            <a:endParaRPr lang="en-US" dirty="0"/>
+          </a:p>
+        </p:txBody>
+      </p:sp>
+      <p:sp>
+        <p:nvSpPr>
+          <p:cNvPr id="3" name="Content Placeholder 2"/>
           <p:cNvSpPr>
             <a:spLocks noGrp="1"/>
           </p:cNvSpPr>
@@ -1938,39 +1941,39 @@
         </p:nvSpPr>
         <p:spPr>
           <a:xfrm>
-            <a:off x="5183188" y="987425"/>
-            <a:ext cx="6172200" cy="4873625"/>
+            <a:off x="2734672" y="676341"/>
+            <a:ext cx="3256478" cy="3338208"/>
           </a:xfrm>
         </p:spPr>
         <p:txBody>
           <a:bodyPr/>
           <a:lstStyle>
             <a:lvl1pPr>
-              <a:defRPr sz="3200"/>
+              <a:defRPr sz="2192"/>
             </a:lvl1pPr>
             <a:lvl2pPr>
-              <a:defRPr sz="2800"/>
+              <a:defRPr sz="1918"/>
             </a:lvl2pPr>
             <a:lvl3pPr>
-              <a:defRPr sz="2400"/>
+              <a:defRPr sz="1644"/>
             </a:lvl3pPr>
             <a:lvl4pPr>
-              <a:defRPr sz="2000"/>
+              <a:defRPr sz="1370"/>
             </a:lvl4pPr>
             <a:lvl5pPr>
-              <a:defRPr sz="2000"/>
+              <a:defRPr sz="1370"/>
             </a:lvl5pPr>
             <a:lvl6pPr>
-              <a:defRPr sz="2000"/>
+              <a:defRPr sz="1370"/>
             </a:lvl6pPr>
             <a:lvl7pPr>
-              <a:defRPr sz="2000"/>
+              <a:defRPr sz="1370"/>
             </a:lvl7pPr>
             <a:lvl8pPr>
-              <a:defRPr sz="2000"/>
+              <a:defRPr sz="1370"/>
             </a:lvl8pPr>
             <a:lvl9pPr>
-              <a:defRPr sz="2000"/>
+              <a:defRPr sz="1370"/>
             </a:lvl9pPr>
           </a:lstStyle>
           <a:p>
@@ -2007,13 +2010,13 @@
               <a:rPr lang="zh-CN" altLang="en-US" smtClean="0"/>
               <a:t>第五级</a:t>
             </a:r>
-            <a:endParaRPr lang="zh-CN" altLang="en-US"/>
-          </a:p>
-        </p:txBody>
-      </p:sp>
-      <p:sp>
-        <p:nvSpPr>
-          <p:cNvPr id="4" name="文本占位符 3"/>
+            <a:endParaRPr lang="en-US" dirty="0"/>
+          </a:p>
+        </p:txBody>
+      </p:sp>
+      <p:sp>
+        <p:nvSpPr>
+          <p:cNvPr id="4" name="Text Placeholder 3"/>
           <p:cNvSpPr>
             <a:spLocks noGrp="1"/>
           </p:cNvSpPr>
@@ -2023,8 +2026,8 @@
         </p:nvSpPr>
         <p:spPr>
           <a:xfrm>
-            <a:off x="839788" y="2057400"/>
-            <a:ext cx="3932237" cy="3811588"/>
+            <a:off x="443076" y="1409224"/>
+            <a:ext cx="2074665" cy="2610762"/>
           </a:xfrm>
         </p:spPr>
         <p:txBody>
@@ -2032,39 +2035,39 @@
           <a:lstStyle>
             <a:lvl1pPr marL="0" indent="0">
               <a:buNone/>
-              <a:defRPr sz="1600"/>
+              <a:defRPr sz="1096"/>
             </a:lvl1pPr>
-            <a:lvl2pPr marL="457200" indent="0">
-              <a:buNone/>
-              <a:defRPr sz="1400"/>
+            <a:lvl2pPr marL="313182" indent="0">
+              <a:buNone/>
+              <a:defRPr sz="959"/>
             </a:lvl2pPr>
-            <a:lvl3pPr marL="914400" indent="0">
-              <a:buNone/>
-              <a:defRPr sz="1200"/>
+            <a:lvl3pPr marL="626364" indent="0">
+              <a:buNone/>
+              <a:defRPr sz="822"/>
             </a:lvl3pPr>
-            <a:lvl4pPr marL="1371600" indent="0">
-              <a:buNone/>
-              <a:defRPr sz="1000"/>
+            <a:lvl4pPr marL="939546" indent="0">
+              <a:buNone/>
+              <a:defRPr sz="685"/>
             </a:lvl4pPr>
-            <a:lvl5pPr marL="1828800" indent="0">
-              <a:buNone/>
-              <a:defRPr sz="1000"/>
+            <a:lvl5pPr marL="1252728" indent="0">
+              <a:buNone/>
+              <a:defRPr sz="685"/>
             </a:lvl5pPr>
-            <a:lvl6pPr marL="2286000" indent="0">
-              <a:buNone/>
-              <a:defRPr sz="1000"/>
+            <a:lvl6pPr marL="1565910" indent="0">
+              <a:buNone/>
+              <a:defRPr sz="685"/>
             </a:lvl6pPr>
-            <a:lvl7pPr marL="2743200" indent="0">
-              <a:buNone/>
-              <a:defRPr sz="1000"/>
+            <a:lvl7pPr marL="1879092" indent="0">
+              <a:buNone/>
+              <a:defRPr sz="685"/>
             </a:lvl7pPr>
-            <a:lvl8pPr marL="3200400" indent="0">
-              <a:buNone/>
-              <a:defRPr sz="1000"/>
+            <a:lvl8pPr marL="2192274" indent="0">
+              <a:buNone/>
+              <a:defRPr sz="685"/>
             </a:lvl8pPr>
-            <a:lvl9pPr marL="3657600" indent="0">
-              <a:buNone/>
-              <a:defRPr sz="1000"/>
+            <a:lvl9pPr marL="2505456" indent="0">
+              <a:buNone/>
+              <a:defRPr sz="685"/>
             </a:lvl9pPr>
           </a:lstStyle>
           <a:p>
@@ -2078,7 +2081,7 @@
       </p:sp>
       <p:sp>
         <p:nvSpPr>
-          <p:cNvPr id="5" name="日期占位符 4"/>
+          <p:cNvPr id="5" name="Date Placeholder 4"/>
           <p:cNvSpPr>
             <a:spLocks noGrp="1"/>
           </p:cNvSpPr>
@@ -2093,7 +2096,7 @@
           <a:p>
             <a:fld id="{6685B2B4-3053-474B-B5CA-9BD4A5735613}" type="datetimeFigureOut">
               <a:rPr lang="zh-CN" altLang="en-US" smtClean="0"/>
-              <a:t>2021/12/20</a:t>
+              <a:t>2021/12/25</a:t>
             </a:fld>
             <a:endParaRPr lang="zh-CN" altLang="en-US"/>
           </a:p>
@@ -2101,7 +2104,7 @@
       </p:sp>
       <p:sp>
         <p:nvSpPr>
-          <p:cNvPr id="6" name="页脚占位符 5"/>
+          <p:cNvPr id="6" name="Footer Placeholder 5"/>
           <p:cNvSpPr>
             <a:spLocks noGrp="1"/>
           </p:cNvSpPr>
@@ -2120,7 +2123,7 @@
       </p:sp>
       <p:sp>
         <p:nvSpPr>
-          <p:cNvPr id="7" name="灯片编号占位符 6"/>
+          <p:cNvPr id="7" name="Slide Number Placeholder 6"/>
           <p:cNvSpPr>
             <a:spLocks noGrp="1"/>
           </p:cNvSpPr>
@@ -2144,7 +2147,7 @@
     </p:spTree>
     <p:extLst>
       <p:ext uri="{BB962C8B-B14F-4D97-AF65-F5344CB8AC3E}">
-        <p14:creationId xmlns:p14="http://schemas.microsoft.com/office/powerpoint/2010/main" val="157079622"/>
+        <p14:creationId xmlns:p14="http://schemas.microsoft.com/office/powerpoint/2010/main" val="1770185477"/>
       </p:ext>
     </p:extLst>
   </p:cSld>
@@ -2173,7 +2176,7 @@
       </p:grpSpPr>
       <p:sp>
         <p:nvSpPr>
-          <p:cNvPr id="2" name="标题 1"/>
+          <p:cNvPr id="2" name="Title 1"/>
           <p:cNvSpPr>
             <a:spLocks noGrp="1"/>
           </p:cNvSpPr>
@@ -2183,15 +2186,15 @@
         </p:nvSpPr>
         <p:spPr>
           <a:xfrm>
-            <a:off x="839788" y="457200"/>
-            <a:ext cx="3932237" cy="1600200"/>
+            <a:off x="443076" y="313161"/>
+            <a:ext cx="2074665" cy="1096063"/>
           </a:xfrm>
         </p:spPr>
         <p:txBody>
           <a:bodyPr anchor="b"/>
           <a:lstStyle>
             <a:lvl1pPr>
-              <a:defRPr sz="3200"/>
+              <a:defRPr sz="2192"/>
             </a:lvl1pPr>
           </a:lstStyle>
           <a:p>
@@ -2199,15 +2202,15 @@
               <a:rPr lang="zh-CN" altLang="en-US" smtClean="0"/>
               <a:t>单击此处编辑母版标题样式</a:t>
             </a:r>
-            <a:endParaRPr lang="zh-CN" altLang="en-US"/>
-          </a:p>
-        </p:txBody>
-      </p:sp>
-      <p:sp>
-        <p:nvSpPr>
-          <p:cNvPr id="3" name="图片占位符 2"/>
-          <p:cNvSpPr>
-            <a:spLocks noGrp="1"/>
+            <a:endParaRPr lang="en-US" dirty="0"/>
+          </a:p>
+        </p:txBody>
+      </p:sp>
+      <p:sp>
+        <p:nvSpPr>
+          <p:cNvPr id="3" name="Picture Placeholder 2"/>
+          <p:cNvSpPr>
+            <a:spLocks noGrp="1" noChangeAspect="1"/>
           </p:cNvSpPr>
           <p:nvPr>
             <p:ph type="pic" idx="1"/>
@@ -2215,8 +2218,73 @@
         </p:nvSpPr>
         <p:spPr>
           <a:xfrm>
-            <a:off x="5183188" y="987425"/>
-            <a:ext cx="6172200" cy="4873625"/>
+            <a:off x="2734672" y="676341"/>
+            <a:ext cx="3256478" cy="3338208"/>
+          </a:xfrm>
+        </p:spPr>
+        <p:txBody>
+          <a:bodyPr anchor="t"/>
+          <a:lstStyle>
+            <a:lvl1pPr marL="0" indent="0">
+              <a:buNone/>
+              <a:defRPr sz="2192"/>
+            </a:lvl1pPr>
+            <a:lvl2pPr marL="313182" indent="0">
+              <a:buNone/>
+              <a:defRPr sz="1918"/>
+            </a:lvl2pPr>
+            <a:lvl3pPr marL="626364" indent="0">
+              <a:buNone/>
+              <a:defRPr sz="1644"/>
+            </a:lvl3pPr>
+            <a:lvl4pPr marL="939546" indent="0">
+              <a:buNone/>
+              <a:defRPr sz="1370"/>
+            </a:lvl4pPr>
+            <a:lvl5pPr marL="1252728" indent="0">
+              <a:buNone/>
+              <a:defRPr sz="1370"/>
+            </a:lvl5pPr>
+            <a:lvl6pPr marL="1565910" indent="0">
+              <a:buNone/>
+              <a:defRPr sz="1370"/>
+            </a:lvl6pPr>
+            <a:lvl7pPr marL="1879092" indent="0">
+              <a:buNone/>
+              <a:defRPr sz="1370"/>
+            </a:lvl7pPr>
+            <a:lvl8pPr marL="2192274" indent="0">
+              <a:buNone/>
+              <a:defRPr sz="1370"/>
+            </a:lvl8pPr>
+            <a:lvl9pPr marL="2505456" indent="0">
+              <a:buNone/>
+              <a:defRPr sz="1370"/>
+            </a:lvl9pPr>
+          </a:lstStyle>
+          <a:p>
+            <a:r>
+              <a:rPr lang="zh-CN" altLang="en-US" smtClean="0"/>
+              <a:t>单击图标添加图片</a:t>
+            </a:r>
+            <a:endParaRPr lang="en-US" dirty="0"/>
+          </a:p>
+        </p:txBody>
+      </p:sp>
+      <p:sp>
+        <p:nvSpPr>
+          <p:cNvPr id="4" name="Text Placeholder 3"/>
+          <p:cNvSpPr>
+            <a:spLocks noGrp="1"/>
+          </p:cNvSpPr>
+          <p:nvPr>
+            <p:ph type="body" sz="half" idx="2"/>
+          </p:nvPr>
+        </p:nvSpPr>
+        <p:spPr>
+          <a:xfrm>
+            <a:off x="443076" y="1409224"/>
+            <a:ext cx="2074665" cy="2610762"/>
           </a:xfrm>
         </p:spPr>
         <p:txBody>
@@ -2224,103 +2292,42 @@
           <a:lstStyle>
             <a:lvl1pPr marL="0" indent="0">
               <a:buNone/>
-              <a:defRPr sz="3200"/>
+              <a:defRPr sz="1096"/>
             </a:lvl1pPr>
-            <a:lvl2pPr marL="457200" indent="0">
-              <a:buNone/>
-              <a:defRPr sz="2800"/>
+            <a:lvl2pPr marL="313182" indent="0">
+              <a:buNone/>
+              <a:defRPr sz="959"/>
             </a:lvl2pPr>
-            <a:lvl3pPr marL="914400" indent="0">
-              <a:buNone/>
-              <a:defRPr sz="2400"/>
+            <a:lvl3pPr marL="626364" indent="0">
+              <a:buNone/>
+              <a:defRPr sz="822"/>
             </a:lvl3pPr>
-            <a:lvl4pPr marL="1371600" indent="0">
-              <a:buNone/>
-              <a:defRPr sz="2000"/>
+            <a:lvl4pPr marL="939546" indent="0">
+              <a:buNone/>
+              <a:defRPr sz="685"/>
             </a:lvl4pPr>
-            <a:lvl5pPr marL="1828800" indent="0">
-              <a:buNone/>
-              <a:defRPr sz="2000"/>
+            <a:lvl5pPr marL="1252728" indent="0">
+              <a:buNone/>
+              <a:defRPr sz="685"/>
             </a:lvl5pPr>
-            <a:lvl6pPr marL="2286000" indent="0">
-              <a:buNone/>
-              <a:defRPr sz="2000"/>
+            <a:lvl6pPr marL="1565910" indent="0">
+              <a:buNone/>
+              <a:defRPr sz="685"/>
             </a:lvl6pPr>
-            <a:lvl7pPr marL="2743200" indent="0">
-              <a:buNone/>
-              <a:defRPr sz="2000"/>
+            <a:lvl7pPr marL="1879092" indent="0">
+              <a:buNone/>
+              <a:defRPr sz="685"/>
             </a:lvl7pPr>
-            <a:lvl8pPr marL="3200400" indent="0">
-              <a:buNone/>
-              <a:defRPr sz="2000"/>
+            <a:lvl8pPr marL="2192274" indent="0">
+              <a:buNone/>
+              <a:defRPr sz="685"/>
             </a:lvl8pPr>
-            <a:lvl9pPr marL="3657600" indent="0">
-              <a:buNone/>
-              <a:defRPr sz="2000"/>
+            <a:lvl9pPr marL="2505456" indent="0">
+              <a:buNone/>
+              <a:defRPr sz="685"/>
             </a:lvl9pPr>
           </a:lstStyle>
           <a:p>
-            <a:endParaRPr lang="zh-CN" altLang="en-US"/>
-          </a:p>
-        </p:txBody>
-      </p:sp>
-      <p:sp>
-        <p:nvSpPr>
-          <p:cNvPr id="4" name="文本占位符 3"/>
-          <p:cNvSpPr>
-            <a:spLocks noGrp="1"/>
-          </p:cNvSpPr>
-          <p:nvPr>
-            <p:ph type="body" sz="half" idx="2"/>
-          </p:nvPr>
-        </p:nvSpPr>
-        <p:spPr>
-          <a:xfrm>
-            <a:off x="839788" y="2057400"/>
-            <a:ext cx="3932237" cy="3811588"/>
-          </a:xfrm>
-        </p:spPr>
-        <p:txBody>
-          <a:bodyPr/>
-          <a:lstStyle>
-            <a:lvl1pPr marL="0" indent="0">
-              <a:buNone/>
-              <a:defRPr sz="1600"/>
-            </a:lvl1pPr>
-            <a:lvl2pPr marL="457200" indent="0">
-              <a:buNone/>
-              <a:defRPr sz="1400"/>
-            </a:lvl2pPr>
-            <a:lvl3pPr marL="914400" indent="0">
-              <a:buNone/>
-              <a:defRPr sz="1200"/>
-            </a:lvl3pPr>
-            <a:lvl4pPr marL="1371600" indent="0">
-              <a:buNone/>
-              <a:defRPr sz="1000"/>
-            </a:lvl4pPr>
-            <a:lvl5pPr marL="1828800" indent="0">
-              <a:buNone/>
-              <a:defRPr sz="1000"/>
-            </a:lvl5pPr>
-            <a:lvl6pPr marL="2286000" indent="0">
-              <a:buNone/>
-              <a:defRPr sz="1000"/>
-            </a:lvl6pPr>
-            <a:lvl7pPr marL="2743200" indent="0">
-              <a:buNone/>
-              <a:defRPr sz="1000"/>
-            </a:lvl7pPr>
-            <a:lvl8pPr marL="3200400" indent="0">
-              <a:buNone/>
-              <a:defRPr sz="1000"/>
-            </a:lvl8pPr>
-            <a:lvl9pPr marL="3657600" indent="0">
-              <a:buNone/>
-              <a:defRPr sz="1000"/>
-            </a:lvl9pPr>
-          </a:lstStyle>
-          <a:p>
             <a:pPr lvl="0"/>
             <a:r>
               <a:rPr lang="zh-CN" altLang="en-US" smtClean="0"/>
@@ -2331,7 +2338,7 @@
       </p:sp>
       <p:sp>
         <p:nvSpPr>
-          <p:cNvPr id="5" name="日期占位符 4"/>
+          <p:cNvPr id="5" name="Date Placeholder 4"/>
           <p:cNvSpPr>
             <a:spLocks noGrp="1"/>
           </p:cNvSpPr>
@@ -2346,7 +2353,7 @@
           <a:p>
             <a:fld id="{6685B2B4-3053-474B-B5CA-9BD4A5735613}" type="datetimeFigureOut">
               <a:rPr lang="zh-CN" altLang="en-US" smtClean="0"/>
-              <a:t>2021/12/20</a:t>
+              <a:t>2021/12/25</a:t>
             </a:fld>
             <a:endParaRPr lang="zh-CN" altLang="en-US"/>
           </a:p>
@@ -2354,7 +2361,7 @@
       </p:sp>
       <p:sp>
         <p:nvSpPr>
-          <p:cNvPr id="6" name="页脚占位符 5"/>
+          <p:cNvPr id="6" name="Footer Placeholder 5"/>
           <p:cNvSpPr>
             <a:spLocks noGrp="1"/>
           </p:cNvSpPr>
@@ -2373,7 +2380,7 @@
       </p:sp>
       <p:sp>
         <p:nvSpPr>
-          <p:cNvPr id="7" name="灯片编号占位符 6"/>
+          <p:cNvPr id="7" name="Slide Number Placeholder 6"/>
           <p:cNvSpPr>
             <a:spLocks noGrp="1"/>
           </p:cNvSpPr>
@@ -2397,7 +2404,7 @@
     </p:spTree>
     <p:extLst>
       <p:ext uri="{BB962C8B-B14F-4D97-AF65-F5344CB8AC3E}">
-        <p14:creationId xmlns:p14="http://schemas.microsoft.com/office/powerpoint/2010/main" val="202487849"/>
+        <p14:creationId xmlns:p14="http://schemas.microsoft.com/office/powerpoint/2010/main" val="682577401"/>
       </p:ext>
     </p:extLst>
   </p:cSld>
@@ -2431,7 +2438,7 @@
       </p:grpSpPr>
       <p:sp>
         <p:nvSpPr>
-          <p:cNvPr id="2" name="标题占位符 1"/>
+          <p:cNvPr id="2" name="Title Placeholder 1"/>
           <p:cNvSpPr>
             <a:spLocks noGrp="1"/>
           </p:cNvSpPr>
@@ -2441,8 +2448,8 @@
         </p:nvSpPr>
         <p:spPr>
           <a:xfrm>
-            <a:off x="838200" y="365125"/>
-            <a:ext cx="10515600" cy="1325563"/>
+            <a:off x="442238" y="250095"/>
+            <a:ext cx="5548074" cy="907949"/>
           </a:xfrm>
           <a:prstGeom prst="rect">
             <a:avLst/>
@@ -2458,13 +2465,13 @@
               <a:rPr lang="zh-CN" altLang="en-US" smtClean="0"/>
               <a:t>单击此处编辑母版标题样式</a:t>
             </a:r>
-            <a:endParaRPr lang="zh-CN" altLang="en-US"/>
-          </a:p>
-        </p:txBody>
-      </p:sp>
-      <p:sp>
-        <p:nvSpPr>
-          <p:cNvPr id="3" name="文本占位符 2"/>
+            <a:endParaRPr lang="en-US" dirty="0"/>
+          </a:p>
+        </p:txBody>
+      </p:sp>
+      <p:sp>
+        <p:nvSpPr>
+          <p:cNvPr id="3" name="Text Placeholder 2"/>
           <p:cNvSpPr>
             <a:spLocks noGrp="1"/>
           </p:cNvSpPr>
@@ -2474,8 +2481,8 @@
         </p:nvSpPr>
         <p:spPr>
           <a:xfrm>
-            <a:off x="838200" y="1825625"/>
-            <a:ext cx="10515600" cy="4351338"/>
+            <a:off x="442238" y="1250469"/>
+            <a:ext cx="5548074" cy="2980465"/>
           </a:xfrm>
           <a:prstGeom prst="rect">
             <a:avLst/>
@@ -2520,13 +2527,13 @@
               <a:rPr lang="zh-CN" altLang="en-US" smtClean="0"/>
               <a:t>第五级</a:t>
             </a:r>
-            <a:endParaRPr lang="zh-CN" altLang="en-US"/>
-          </a:p>
-        </p:txBody>
-      </p:sp>
-      <p:sp>
-        <p:nvSpPr>
-          <p:cNvPr id="4" name="日期占位符 3"/>
+            <a:endParaRPr lang="en-US" dirty="0"/>
+          </a:p>
+        </p:txBody>
+      </p:sp>
+      <p:sp>
+        <p:nvSpPr>
+          <p:cNvPr id="4" name="Date Placeholder 3"/>
           <p:cNvSpPr>
             <a:spLocks noGrp="1"/>
           </p:cNvSpPr>
@@ -2536,8 +2543,8 @@
         </p:nvSpPr>
         <p:spPr>
           <a:xfrm>
-            <a:off x="838200" y="6356350"/>
-            <a:ext cx="2743200" cy="365125"/>
+            <a:off x="442238" y="4353807"/>
+            <a:ext cx="1447324" cy="250094"/>
           </a:xfrm>
           <a:prstGeom prst="rect">
             <a:avLst/>
@@ -2547,7 +2554,7 @@
           <a:bodyPr vert="horz" lIns="91440" tIns="45720" rIns="91440" bIns="45720" rtlCol="0" anchor="ctr"/>
           <a:lstStyle>
             <a:lvl1pPr algn="l">
-              <a:defRPr sz="1200">
+              <a:defRPr sz="822">
                 <a:solidFill>
                   <a:schemeClr val="tx1">
                     <a:tint val="75000"/>
@@ -2559,7 +2566,7 @@
           <a:p>
             <a:fld id="{6685B2B4-3053-474B-B5CA-9BD4A5735613}" type="datetimeFigureOut">
               <a:rPr lang="zh-CN" altLang="en-US" smtClean="0"/>
-              <a:t>2021/12/20</a:t>
+              <a:t>2021/12/25</a:t>
             </a:fld>
             <a:endParaRPr lang="zh-CN" altLang="en-US"/>
           </a:p>
@@ -2567,7 +2574,7 @@
       </p:sp>
       <p:sp>
         <p:nvSpPr>
-          <p:cNvPr id="5" name="页脚占位符 4"/>
+          <p:cNvPr id="5" name="Footer Placeholder 4"/>
           <p:cNvSpPr>
             <a:spLocks noGrp="1"/>
           </p:cNvSpPr>
@@ -2577,8 +2584,8 @@
         </p:nvSpPr>
         <p:spPr>
           <a:xfrm>
-            <a:off x="4038600" y="6356350"/>
-            <a:ext cx="4114800" cy="365125"/>
+            <a:off x="2130782" y="4353807"/>
+            <a:ext cx="2170986" cy="250094"/>
           </a:xfrm>
           <a:prstGeom prst="rect">
             <a:avLst/>
@@ -2588,7 +2595,7 @@
           <a:bodyPr vert="horz" lIns="91440" tIns="45720" rIns="91440" bIns="45720" rtlCol="0" anchor="ctr"/>
           <a:lstStyle>
             <a:lvl1pPr algn="ctr">
-              <a:defRPr sz="1200">
+              <a:defRPr sz="822">
                 <a:solidFill>
                   <a:schemeClr val="tx1">
                     <a:tint val="75000"/>
@@ -2604,7 +2611,7 @@
       </p:sp>
       <p:sp>
         <p:nvSpPr>
-          <p:cNvPr id="6" name="灯片编号占位符 5"/>
+          <p:cNvPr id="6" name="Slide Number Placeholder 5"/>
           <p:cNvSpPr>
             <a:spLocks noGrp="1"/>
           </p:cNvSpPr>
@@ -2614,8 +2621,8 @@
         </p:nvSpPr>
         <p:spPr>
           <a:xfrm>
-            <a:off x="8610600" y="6356350"/>
-            <a:ext cx="2743200" cy="365125"/>
+            <a:off x="4542988" y="4353807"/>
+            <a:ext cx="1447324" cy="250094"/>
           </a:xfrm>
           <a:prstGeom prst="rect">
             <a:avLst/>
@@ -2625,7 +2632,7 @@
           <a:bodyPr vert="horz" lIns="91440" tIns="45720" rIns="91440" bIns="45720" rtlCol="0" anchor="ctr"/>
           <a:lstStyle>
             <a:lvl1pPr algn="r">
-              <a:defRPr sz="1200">
+              <a:defRPr sz="822">
                 <a:solidFill>
                   <a:schemeClr val="tx1">
                     <a:tint val="75000"/>
@@ -2646,27 +2653,27 @@
     </p:spTree>
     <p:extLst>
       <p:ext uri="{BB962C8B-B14F-4D97-AF65-F5344CB8AC3E}">
-        <p14:creationId xmlns:p14="http://schemas.microsoft.com/office/powerpoint/2010/main" val="1181355424"/>
+        <p14:creationId xmlns:p14="http://schemas.microsoft.com/office/powerpoint/2010/main" val="1421431087"/>
       </p:ext>
     </p:extLst>
   </p:cSld>
   <p:clrMap bg1="lt1" tx1="dk1" bg2="lt2" tx2="dk2" accent1="accent1" accent2="accent2" accent3="accent3" accent4="accent4" accent5="accent5" accent6="accent6" hlink="hlink" folHlink="folHlink"/>
   <p:sldLayoutIdLst>
-    <p:sldLayoutId id="2147483649" r:id="rId1"/>
-    <p:sldLayoutId id="2147483650" r:id="rId2"/>
-    <p:sldLayoutId id="2147483651" r:id="rId3"/>
-    <p:sldLayoutId id="2147483652" r:id="rId4"/>
-    <p:sldLayoutId id="2147483653" r:id="rId5"/>
-    <p:sldLayoutId id="2147483654" r:id="rId6"/>
-    <p:sldLayoutId id="2147483655" r:id="rId7"/>
-    <p:sldLayoutId id="2147483656" r:id="rId8"/>
-    <p:sldLayoutId id="2147483657" r:id="rId9"/>
-    <p:sldLayoutId id="2147483658" r:id="rId10"/>
-    <p:sldLayoutId id="2147483659" r:id="rId11"/>
+    <p:sldLayoutId id="2147483685" r:id="rId1"/>
+    <p:sldLayoutId id="2147483686" r:id="rId2"/>
+    <p:sldLayoutId id="2147483687" r:id="rId3"/>
+    <p:sldLayoutId id="2147483688" r:id="rId4"/>
+    <p:sldLayoutId id="2147483689" r:id="rId5"/>
+    <p:sldLayoutId id="2147483690" r:id="rId6"/>
+    <p:sldLayoutId id="2147483691" r:id="rId7"/>
+    <p:sldLayoutId id="2147483692" r:id="rId8"/>
+    <p:sldLayoutId id="2147483693" r:id="rId9"/>
+    <p:sldLayoutId id="2147483694" r:id="rId10"/>
+    <p:sldLayoutId id="2147483695" r:id="rId11"/>
   </p:sldLayoutIdLst>
   <p:txStyles>
     <p:titleStyle>
-      <a:lvl1pPr algn="l" defTabSz="914400" rtl="0" eaLnBrk="1" latinLnBrk="0" hangingPunct="1">
+      <a:lvl1pPr algn="l" defTabSz="626364" rtl="0" eaLnBrk="1" latinLnBrk="0" hangingPunct="1">
         <a:lnSpc>
           <a:spcPct val="90000"/>
         </a:lnSpc>
@@ -2674,7 +2681,7 @@
           <a:spcPct val="0"/>
         </a:spcBef>
         <a:buNone/>
-        <a:defRPr sz="4400" kern="1200">
+        <a:defRPr sz="3014" kern="1200">
           <a:solidFill>
             <a:schemeClr val="tx1"/>
           </a:solidFill>
@@ -2685,16 +2692,16 @@
       </a:lvl1pPr>
     </p:titleStyle>
     <p:bodyStyle>
-      <a:lvl1pPr marL="228600" indent="-228600" algn="l" defTabSz="914400" rtl="0" eaLnBrk="1" latinLnBrk="0" hangingPunct="1">
+      <a:lvl1pPr marL="156591" indent="-156591" algn="l" defTabSz="626364" rtl="0" eaLnBrk="1" latinLnBrk="0" hangingPunct="1">
         <a:lnSpc>
           <a:spcPct val="90000"/>
         </a:lnSpc>
         <a:spcBef>
-          <a:spcPts val="1000"/>
+          <a:spcPts val="685"/>
         </a:spcBef>
         <a:buFont typeface="Arial" panose="020B0604020202020204" pitchFamily="34" charset="0"/>
         <a:buChar char="•"/>
-        <a:defRPr sz="2800" kern="1200">
+        <a:defRPr sz="1918" kern="1200">
           <a:solidFill>
             <a:schemeClr val="tx1"/>
           </a:solidFill>
@@ -2703,16 +2710,16 @@
           <a:cs typeface="+mn-cs"/>
         </a:defRPr>
       </a:lvl1pPr>
-      <a:lvl2pPr marL="685800" indent="-228600" algn="l" defTabSz="914400" rtl="0" eaLnBrk="1" latinLnBrk="0" hangingPunct="1">
+      <a:lvl2pPr marL="469773" indent="-156591" algn="l" defTabSz="626364" rtl="0" eaLnBrk="1" latinLnBrk="0" hangingPunct="1">
         <a:lnSpc>
           <a:spcPct val="90000"/>
         </a:lnSpc>
         <a:spcBef>
-          <a:spcPts val="500"/>
+          <a:spcPts val="343"/>
         </a:spcBef>
         <a:buFont typeface="Arial" panose="020B0604020202020204" pitchFamily="34" charset="0"/>
         <a:buChar char="•"/>
-        <a:defRPr sz="2400" kern="1200">
+        <a:defRPr sz="1644" kern="1200">
           <a:solidFill>
             <a:schemeClr val="tx1"/>
           </a:solidFill>
@@ -2721,16 +2728,16 @@
           <a:cs typeface="+mn-cs"/>
         </a:defRPr>
       </a:lvl2pPr>
-      <a:lvl3pPr marL="1143000" indent="-228600" algn="l" defTabSz="914400" rtl="0" eaLnBrk="1" latinLnBrk="0" hangingPunct="1">
+      <a:lvl3pPr marL="782955" indent="-156591" algn="l" defTabSz="626364" rtl="0" eaLnBrk="1" latinLnBrk="0" hangingPunct="1">
         <a:lnSpc>
           <a:spcPct val="90000"/>
         </a:lnSpc>
         <a:spcBef>
-          <a:spcPts val="500"/>
+          <a:spcPts val="343"/>
         </a:spcBef>
         <a:buFont typeface="Arial" panose="020B0604020202020204" pitchFamily="34" charset="0"/>
         <a:buChar char="•"/>
-        <a:defRPr sz="2000" kern="1200">
+        <a:defRPr sz="1370" kern="1200">
           <a:solidFill>
             <a:schemeClr val="tx1"/>
           </a:solidFill>
@@ -2739,16 +2746,16 @@
           <a:cs typeface="+mn-cs"/>
         </a:defRPr>
       </a:lvl3pPr>
-      <a:lvl4pPr marL="1600200" indent="-228600" algn="l" defTabSz="914400" rtl="0" eaLnBrk="1" latinLnBrk="0" hangingPunct="1">
+      <a:lvl4pPr marL="1096137" indent="-156591" algn="l" defTabSz="626364" rtl="0" eaLnBrk="1" latinLnBrk="0" hangingPunct="1">
         <a:lnSpc>
           <a:spcPct val="90000"/>
         </a:lnSpc>
         <a:spcBef>
-          <a:spcPts val="500"/>
+          <a:spcPts val="343"/>
         </a:spcBef>
         <a:buFont typeface="Arial" panose="020B0604020202020204" pitchFamily="34" charset="0"/>
         <a:buChar char="•"/>
-        <a:defRPr sz="1800" kern="1200">
+        <a:defRPr sz="1233" kern="1200">
           <a:solidFill>
             <a:schemeClr val="tx1"/>
           </a:solidFill>
@@ -2757,16 +2764,16 @@
           <a:cs typeface="+mn-cs"/>
         </a:defRPr>
       </a:lvl4pPr>
-      <a:lvl5pPr marL="2057400" indent="-228600" algn="l" defTabSz="914400" rtl="0" eaLnBrk="1" latinLnBrk="0" hangingPunct="1">
+      <a:lvl5pPr marL="1409319" indent="-156591" algn="l" defTabSz="626364" rtl="0" eaLnBrk="1" latinLnBrk="0" hangingPunct="1">
         <a:lnSpc>
           <a:spcPct val="90000"/>
         </a:lnSpc>
         <a:spcBef>
-          <a:spcPts val="500"/>
+          <a:spcPts val="343"/>
         </a:spcBef>
         <a:buFont typeface="Arial" panose="020B0604020202020204" pitchFamily="34" charset="0"/>
         <a:buChar char="•"/>
-        <a:defRPr sz="1800" kern="1200">
+        <a:defRPr sz="1233" kern="1200">
           <a:solidFill>
             <a:schemeClr val="tx1"/>
           </a:solidFill>
@@ -2775,16 +2782,16 @@
           <a:cs typeface="+mn-cs"/>
         </a:defRPr>
       </a:lvl5pPr>
-      <a:lvl6pPr marL="2514600" indent="-228600" algn="l" defTabSz="914400" rtl="0" eaLnBrk="1" latinLnBrk="0" hangingPunct="1">
+      <a:lvl6pPr marL="1722501" indent="-156591" algn="l" defTabSz="626364" rtl="0" eaLnBrk="1" latinLnBrk="0" hangingPunct="1">
         <a:lnSpc>
           <a:spcPct val="90000"/>
         </a:lnSpc>
         <a:spcBef>
-          <a:spcPts val="500"/>
+          <a:spcPts val="343"/>
         </a:spcBef>
         <a:buFont typeface="Arial" panose="020B0604020202020204" pitchFamily="34" charset="0"/>
         <a:buChar char="•"/>
-        <a:defRPr sz="1800" kern="1200">
+        <a:defRPr sz="1233" kern="1200">
           <a:solidFill>
             <a:schemeClr val="tx1"/>
           </a:solidFill>
@@ -2793,16 +2800,16 @@
           <a:cs typeface="+mn-cs"/>
         </a:defRPr>
       </a:lvl6pPr>
-      <a:lvl7pPr marL="2971800" indent="-228600" algn="l" defTabSz="914400" rtl="0" eaLnBrk="1" latinLnBrk="0" hangingPunct="1">
+      <a:lvl7pPr marL="2035683" indent="-156591" algn="l" defTabSz="626364" rtl="0" eaLnBrk="1" latinLnBrk="0" hangingPunct="1">
         <a:lnSpc>
           <a:spcPct val="90000"/>
         </a:lnSpc>
         <a:spcBef>
-          <a:spcPts val="500"/>
+          <a:spcPts val="343"/>
         </a:spcBef>
         <a:buFont typeface="Arial" panose="020B0604020202020204" pitchFamily="34" charset="0"/>
         <a:buChar char="•"/>
-        <a:defRPr sz="1800" kern="1200">
+        <a:defRPr sz="1233" kern="1200">
           <a:solidFill>
             <a:schemeClr val="tx1"/>
           </a:solidFill>
@@ -2811,16 +2818,16 @@
           <a:cs typeface="+mn-cs"/>
         </a:defRPr>
       </a:lvl7pPr>
-      <a:lvl8pPr marL="3429000" indent="-228600" algn="l" defTabSz="914400" rtl="0" eaLnBrk="1" latinLnBrk="0" hangingPunct="1">
+      <a:lvl8pPr marL="2348865" indent="-156591" algn="l" defTabSz="626364" rtl="0" eaLnBrk="1" latinLnBrk="0" hangingPunct="1">
         <a:lnSpc>
           <a:spcPct val="90000"/>
         </a:lnSpc>
         <a:spcBef>
-          <a:spcPts val="500"/>
+          <a:spcPts val="343"/>
         </a:spcBef>
         <a:buFont typeface="Arial" panose="020B0604020202020204" pitchFamily="34" charset="0"/>
         <a:buChar char="•"/>
-        <a:defRPr sz="1800" kern="1200">
+        <a:defRPr sz="1233" kern="1200">
           <a:solidFill>
             <a:schemeClr val="tx1"/>
           </a:solidFill>
@@ -2829,16 +2836,16 @@
           <a:cs typeface="+mn-cs"/>
         </a:defRPr>
       </a:lvl8pPr>
-      <a:lvl9pPr marL="3886200" indent="-228600" algn="l" defTabSz="914400" rtl="0" eaLnBrk="1" latinLnBrk="0" hangingPunct="1">
+      <a:lvl9pPr marL="2662047" indent="-156591" algn="l" defTabSz="626364" rtl="0" eaLnBrk="1" latinLnBrk="0" hangingPunct="1">
         <a:lnSpc>
           <a:spcPct val="90000"/>
         </a:lnSpc>
         <a:spcBef>
-          <a:spcPts val="500"/>
+          <a:spcPts val="343"/>
         </a:spcBef>
         <a:buFont typeface="Arial" panose="020B0604020202020204" pitchFamily="34" charset="0"/>
         <a:buChar char="•"/>
-        <a:defRPr sz="1800" kern="1200">
+        <a:defRPr sz="1233" kern="1200">
           <a:solidFill>
             <a:schemeClr val="tx1"/>
           </a:solidFill>
@@ -2850,10 +2857,10 @@
     </p:bodyStyle>
     <p:otherStyle>
       <a:defPPr>
-        <a:defRPr lang="zh-CN"/>
+        <a:defRPr lang="en-US"/>
       </a:defPPr>
-      <a:lvl1pPr marL="0" algn="l" defTabSz="914400" rtl="0" eaLnBrk="1" latinLnBrk="0" hangingPunct="1">
-        <a:defRPr sz="1800" kern="1200">
+      <a:lvl1pPr marL="0" algn="l" defTabSz="626364" rtl="0" eaLnBrk="1" latinLnBrk="0" hangingPunct="1">
+        <a:defRPr sz="1233" kern="1200">
           <a:solidFill>
             <a:schemeClr val="tx1"/>
           </a:solidFill>
@@ -2862,8 +2869,8 @@
           <a:cs typeface="+mn-cs"/>
         </a:defRPr>
       </a:lvl1pPr>
-      <a:lvl2pPr marL="457200" algn="l" defTabSz="914400" rtl="0" eaLnBrk="1" latinLnBrk="0" hangingPunct="1">
-        <a:defRPr sz="1800" kern="1200">
+      <a:lvl2pPr marL="313182" algn="l" defTabSz="626364" rtl="0" eaLnBrk="1" latinLnBrk="0" hangingPunct="1">
+        <a:defRPr sz="1233" kern="1200">
           <a:solidFill>
             <a:schemeClr val="tx1"/>
           </a:solidFill>
@@ -2872,8 +2879,8 @@
           <a:cs typeface="+mn-cs"/>
         </a:defRPr>
       </a:lvl2pPr>
-      <a:lvl3pPr marL="914400" algn="l" defTabSz="914400" rtl="0" eaLnBrk="1" latinLnBrk="0" hangingPunct="1">
-        <a:defRPr sz="1800" kern="1200">
+      <a:lvl3pPr marL="626364" algn="l" defTabSz="626364" rtl="0" eaLnBrk="1" latinLnBrk="0" hangingPunct="1">
+        <a:defRPr sz="1233" kern="1200">
           <a:solidFill>
             <a:schemeClr val="tx1"/>
           </a:solidFill>
@@ -2882,8 +2889,8 @@
           <a:cs typeface="+mn-cs"/>
         </a:defRPr>
       </a:lvl3pPr>
-      <a:lvl4pPr marL="1371600" algn="l" defTabSz="914400" rtl="0" eaLnBrk="1" latinLnBrk="0" hangingPunct="1">
-        <a:defRPr sz="1800" kern="1200">
+      <a:lvl4pPr marL="939546" algn="l" defTabSz="626364" rtl="0" eaLnBrk="1" latinLnBrk="0" hangingPunct="1">
+        <a:defRPr sz="1233" kern="1200">
           <a:solidFill>
             <a:schemeClr val="tx1"/>
           </a:solidFill>
@@ -2892,8 +2899,8 @@
           <a:cs typeface="+mn-cs"/>
         </a:defRPr>
       </a:lvl4pPr>
-      <a:lvl5pPr marL="1828800" algn="l" defTabSz="914400" rtl="0" eaLnBrk="1" latinLnBrk="0" hangingPunct="1">
-        <a:defRPr sz="1800" kern="1200">
+      <a:lvl5pPr marL="1252728" algn="l" defTabSz="626364" rtl="0" eaLnBrk="1" latinLnBrk="0" hangingPunct="1">
+        <a:defRPr sz="1233" kern="1200">
           <a:solidFill>
             <a:schemeClr val="tx1"/>
           </a:solidFill>
@@ -2902,8 +2909,8 @@
           <a:cs typeface="+mn-cs"/>
         </a:defRPr>
       </a:lvl5pPr>
-      <a:lvl6pPr marL="2286000" algn="l" defTabSz="914400" rtl="0" eaLnBrk="1" latinLnBrk="0" hangingPunct="1">
-        <a:defRPr sz="1800" kern="1200">
+      <a:lvl6pPr marL="1565910" algn="l" defTabSz="626364" rtl="0" eaLnBrk="1" latinLnBrk="0" hangingPunct="1">
+        <a:defRPr sz="1233" kern="1200">
           <a:solidFill>
             <a:schemeClr val="tx1"/>
           </a:solidFill>
@@ -2912,8 +2919,8 @@
           <a:cs typeface="+mn-cs"/>
         </a:defRPr>
       </a:lvl6pPr>
-      <a:lvl7pPr marL="2743200" algn="l" defTabSz="914400" rtl="0" eaLnBrk="1" latinLnBrk="0" hangingPunct="1">
-        <a:defRPr sz="1800" kern="1200">
+      <a:lvl7pPr marL="1879092" algn="l" defTabSz="626364" rtl="0" eaLnBrk="1" latinLnBrk="0" hangingPunct="1">
+        <a:defRPr sz="1233" kern="1200">
           <a:solidFill>
             <a:schemeClr val="tx1"/>
           </a:solidFill>
@@ -2922,8 +2929,8 @@
           <a:cs typeface="+mn-cs"/>
         </a:defRPr>
       </a:lvl7pPr>
-      <a:lvl8pPr marL="3200400" algn="l" defTabSz="914400" rtl="0" eaLnBrk="1" latinLnBrk="0" hangingPunct="1">
-        <a:defRPr sz="1800" kern="1200">
+      <a:lvl8pPr marL="2192274" algn="l" defTabSz="626364" rtl="0" eaLnBrk="1" latinLnBrk="0" hangingPunct="1">
+        <a:defRPr sz="1233" kern="1200">
           <a:solidFill>
             <a:schemeClr val="tx1"/>
           </a:solidFill>
@@ -2932,8 +2939,8 @@
           <a:cs typeface="+mn-cs"/>
         </a:defRPr>
       </a:lvl8pPr>
-      <a:lvl9pPr marL="3657600" algn="l" defTabSz="914400" rtl="0" eaLnBrk="1" latinLnBrk="0" hangingPunct="1">
-        <a:defRPr sz="1800" kern="1200">
+      <a:lvl9pPr marL="2505456" algn="l" defTabSz="626364" rtl="0" eaLnBrk="1" latinLnBrk="0" hangingPunct="1">
+        <a:defRPr sz="1233" kern="1200">
           <a:solidFill>
             <a:schemeClr val="tx1"/>
           </a:solidFill>
@@ -2972,7 +2979,7 @@
         </p:nvGrpSpPr>
         <p:grpSpPr>
           <a:xfrm>
-            <a:off x="3729406" y="929640"/>
+            <a:off x="819201" y="172434"/>
             <a:ext cx="5246954" cy="4175760"/>
             <a:chOff x="3729406" y="1730675"/>
             <a:chExt cx="3288571" cy="3053752"/>
@@ -2992,8 +2999,8 @@
               <a:chExt cx="465992" cy="465992"/>
             </a:xfrm>
           </p:grpSpPr>
-          <mc:AlternateContent xmlns:mc="http://schemas.openxmlformats.org/markup-compatibility/2006">
-            <mc:Choice xmlns:a14="http://schemas.microsoft.com/office/drawing/2010/main" Requires="a14">
+          <mc:AlternateContent xmlns:mc="http://schemas.openxmlformats.org/markup-compatibility/2006" xmlns:a14="http://schemas.microsoft.com/office/drawing/2010/main">
+            <mc:Choice Requires="a14">
               <p:sp>
                 <p:nvSpPr>
                   <p:cNvPr id="5" name="椭圆 4"/>
@@ -3045,19 +3052,19 @@
                         </m:oMathParaPr>
                         <m:oMath xmlns:m="http://schemas.openxmlformats.org/officeDocument/2006/math">
                           <m:r>
-                            <a:rPr lang="en-US" altLang="zh-CN" i="1" smtClean="0">
+                            <a:rPr lang="en-US" altLang="zh-CN" i="1">
                               <a:latin typeface="Cambria Math" panose="02040503050406030204" pitchFamily="18" charset="0"/>
                             </a:rPr>
                             <m:t>𝐴</m:t>
                           </m:r>
                           <m:r>
-                            <a:rPr lang="en-US" altLang="zh-CN" i="1" smtClean="0">
+                            <a:rPr lang="en-US" altLang="zh-CN" i="1">
                               <a:latin typeface="Cambria Math" panose="02040503050406030204" pitchFamily="18" charset="0"/>
                             </a:rPr>
                             <m:t>=</m:t>
                           </m:r>
                           <m:r>
-                            <a:rPr lang="el-GR" altLang="zh-CN" i="1" smtClean="0">
+                            <a:rPr lang="el-GR" altLang="zh-CN" i="1">
                               <a:latin typeface="Cambria Math" panose="02040503050406030204" pitchFamily="18" charset="0"/>
                             </a:rPr>
                             <m:t>𝜋</m:t>
@@ -3065,14 +3072,14 @@
                           <m:sSup>
                             <m:sSupPr>
                               <m:ctrlPr>
-                                <a:rPr lang="en-US" altLang="zh-CN" i="1" smtClean="0">
+                                <a:rPr lang="en-US" altLang="zh-CN" i="1">
                                   <a:latin typeface="Cambria Math" panose="02040503050406030204" pitchFamily="18" charset="0"/>
                                 </a:rPr>
                               </m:ctrlPr>
                             </m:sSupPr>
                             <m:e>
                               <m:r>
-                                <a:rPr lang="en-US" altLang="zh-CN" i="1" smtClean="0">
+                                <a:rPr lang="en-US" altLang="zh-CN" i="1">
                                   <a:latin typeface="Cambria Math" panose="02040503050406030204" pitchFamily="18" charset="0"/>
                                 </a:rPr>
                                 <m:t>𝑟</m:t>
@@ -3080,7 +3087,7 @@
                             </m:e>
                             <m:sup>
                               <m:r>
-                                <a:rPr lang="en-US" altLang="zh-CN" i="1" smtClean="0">
+                                <a:rPr lang="en-US" altLang="zh-CN" i="1">
                                   <a:latin typeface="Cambria Math" panose="02040503050406030204" pitchFamily="18" charset="0"/>
                                 </a:rPr>
                                 <m:t>2</m:t>
@@ -3097,13 +3104,13 @@
                             <m:t>h</m:t>
                           </m:r>
                           <m:r>
-                            <a:rPr lang="en-US" altLang="zh-CN" i="1" smtClean="0">
+                            <a:rPr lang="en-US" altLang="zh-CN" i="1">
                               <a:latin typeface="Cambria Math" panose="02040503050406030204" pitchFamily="18" charset="0"/>
                             </a:rPr>
                             <m:t>=</m:t>
                           </m:r>
                           <m:r>
-                            <a:rPr lang="el-GR" altLang="zh-CN" i="1" smtClean="0">
+                            <a:rPr lang="el-GR" altLang="zh-CN" i="1">
                               <a:latin typeface="Cambria Math" panose="02040503050406030204" pitchFamily="18" charset="0"/>
                             </a:rPr>
                             <m:t>𝜋</m:t>
@@ -3111,14 +3118,14 @@
                           <m:sSup>
                             <m:sSupPr>
                               <m:ctrlPr>
-                                <a:rPr lang="en-US" altLang="zh-CN" i="1" smtClean="0">
+                                <a:rPr lang="en-US" altLang="zh-CN" i="1">
                                   <a:latin typeface="Cambria Math" panose="02040503050406030204" pitchFamily="18" charset="0"/>
                                 </a:rPr>
                               </m:ctrlPr>
                             </m:sSupPr>
                             <m:e>
                               <m:r>
-                                <a:rPr lang="en-US" altLang="zh-CN" i="1" smtClean="0">
+                                <a:rPr lang="en-US" altLang="zh-CN" i="1">
                                   <a:latin typeface="Cambria Math" panose="02040503050406030204" pitchFamily="18" charset="0"/>
                                 </a:rPr>
                                 <m:t>𝑟</m:t>
@@ -3126,7 +3133,7 @@
                             </m:e>
                             <m:sup>
                               <m:r>
-                                <a:rPr lang="en-US" altLang="zh-CN" i="1" smtClean="0">
+                                <a:rPr lang="en-US" altLang="zh-CN" i="1">
                                   <a:latin typeface="Cambria Math" panose="02040503050406030204" pitchFamily="18" charset="0"/>
                                 </a:rPr>
                                 <m:t>2</m:t>
@@ -3141,7 +3148,7 @@
                 </p:txBody>
               </p:sp>
             </mc:Choice>
-            <mc:Fallback>
+            <mc:Fallback xmlns="">
               <p:sp>
                 <p:nvSpPr>
                   <p:cNvPr id="5" name="椭圆 4"/>
@@ -3196,7 +3203,7 @@
                 <p:spPr>
                   <a:xfrm>
                     <a:off x="5139104" y="3072885"/>
-                    <a:ext cx="334108" cy="369332"/>
+                    <a:ext cx="334108" cy="270094"/>
                   </a:xfrm>
                   <a:prstGeom prst="rect">
                     <a:avLst/>
@@ -3209,6 +3216,7 @@
                   </a:bodyPr>
                   <a:lstStyle/>
                   <a:p>
+                    <a:pPr/>
                     <a14:m>
                       <m:oMathPara xmlns:m="http://schemas.openxmlformats.org/officeDocument/2006/math">
                         <m:oMathParaPr>
@@ -3218,14 +3226,14 @@
                           <m:sSub>
                             <m:sSubPr>
                               <m:ctrlPr>
-                                <a:rPr lang="en-US" altLang="zh-CN" b="0" i="1" smtClean="0">
+                                <a:rPr lang="en-US" altLang="zh-CN" i="1">
                                   <a:latin typeface="Cambria Math" panose="02040503050406030204" pitchFamily="18" charset="0"/>
                                 </a:rPr>
                               </m:ctrlPr>
                             </m:sSubPr>
                             <m:e>
                               <m:r>
-                                <a:rPr lang="en-US" altLang="zh-CN" b="0" i="1" smtClean="0">
+                                <a:rPr lang="en-US" altLang="zh-CN" i="1">
                                   <a:latin typeface="Cambria Math" panose="02040503050406030204" pitchFamily="18" charset="0"/>
                                 </a:rPr>
                                 <m:t>h</m:t>
@@ -3233,7 +3241,7 @@
                             </m:e>
                             <m:sub>
                               <m:r>
-                                <a:rPr lang="en-US" altLang="zh-CN" b="0" i="1" smtClean="0">
+                                <a:rPr lang="en-US" altLang="zh-CN" i="1">
                                   <a:latin typeface="Cambria Math" panose="02040503050406030204" pitchFamily="18" charset="0"/>
                                 </a:rPr>
                                 <m:t>1</m:t>
@@ -3260,7 +3268,7 @@
                 <p:spPr>
                   <a:xfrm>
                     <a:off x="5139104" y="3072885"/>
-                    <a:ext cx="334108" cy="369332"/>
+                    <a:ext cx="334108" cy="270094"/>
                   </a:xfrm>
                   <a:prstGeom prst="rect">
                     <a:avLst/>
@@ -3302,8 +3310,8 @@
               <a:chExt cx="465992" cy="465992"/>
             </a:xfrm>
           </p:grpSpPr>
-          <mc:AlternateContent xmlns:mc="http://schemas.openxmlformats.org/markup-compatibility/2006">
-            <mc:Choice xmlns:a14="http://schemas.microsoft.com/office/drawing/2010/main" Requires="a14">
+          <mc:AlternateContent xmlns:mc="http://schemas.openxmlformats.org/markup-compatibility/2006" xmlns:a14="http://schemas.microsoft.com/office/drawing/2010/main">
+            <mc:Choice Requires="a14">
               <p:sp>
                 <p:nvSpPr>
                   <p:cNvPr id="9" name="椭圆 8"/>
@@ -3355,19 +3363,19 @@
                         </m:oMathParaPr>
                         <m:oMath xmlns:m="http://schemas.openxmlformats.org/officeDocument/2006/math">
                           <m:r>
-                            <a:rPr lang="en-US" altLang="zh-CN" i="1" smtClean="0">
+                            <a:rPr lang="en-US" altLang="zh-CN" i="1">
                               <a:latin typeface="Cambria Math" panose="02040503050406030204" pitchFamily="18" charset="0"/>
                             </a:rPr>
                             <m:t>𝐴</m:t>
                           </m:r>
                           <m:r>
-                            <a:rPr lang="en-US" altLang="zh-CN" i="1" smtClean="0">
+                            <a:rPr lang="en-US" altLang="zh-CN" i="1">
                               <a:latin typeface="Cambria Math" panose="02040503050406030204" pitchFamily="18" charset="0"/>
                             </a:rPr>
                             <m:t>=</m:t>
                           </m:r>
                           <m:r>
-                            <a:rPr lang="el-GR" altLang="zh-CN" i="1" smtClean="0">
+                            <a:rPr lang="el-GR" altLang="zh-CN" i="1">
                               <a:latin typeface="Cambria Math" panose="02040503050406030204" pitchFamily="18" charset="0"/>
                             </a:rPr>
                             <m:t>𝜋</m:t>
@@ -3375,14 +3383,14 @@
                           <m:sSup>
                             <m:sSupPr>
                               <m:ctrlPr>
-                                <a:rPr lang="en-US" altLang="zh-CN" i="1" smtClean="0">
+                                <a:rPr lang="en-US" altLang="zh-CN" i="1">
                                   <a:latin typeface="Cambria Math" panose="02040503050406030204" pitchFamily="18" charset="0"/>
                                 </a:rPr>
                               </m:ctrlPr>
                             </m:sSupPr>
                             <m:e>
                               <m:r>
-                                <a:rPr lang="en-US" altLang="zh-CN" i="1" smtClean="0">
+                                <a:rPr lang="en-US" altLang="zh-CN" i="1">
                                   <a:latin typeface="Cambria Math" panose="02040503050406030204" pitchFamily="18" charset="0"/>
                                 </a:rPr>
                                 <m:t>𝑟</m:t>
@@ -3390,7 +3398,7 @@
                             </m:e>
                             <m:sup>
                               <m:r>
-                                <a:rPr lang="en-US" altLang="zh-CN" i="1" smtClean="0">
+                                <a:rPr lang="en-US" altLang="zh-CN" i="1">
                                   <a:latin typeface="Cambria Math" panose="02040503050406030204" pitchFamily="18" charset="0"/>
                                 </a:rPr>
                                 <m:t>2</m:t>
@@ -3407,13 +3415,13 @@
                             <m:t>h</m:t>
                           </m:r>
                           <m:r>
-                            <a:rPr lang="en-US" altLang="zh-CN" i="1" smtClean="0">
+                            <a:rPr lang="en-US" altLang="zh-CN" i="1">
                               <a:latin typeface="Cambria Math" panose="02040503050406030204" pitchFamily="18" charset="0"/>
                             </a:rPr>
                             <m:t>=</m:t>
                           </m:r>
                           <m:r>
-                            <a:rPr lang="el-GR" altLang="zh-CN" i="1" smtClean="0">
+                            <a:rPr lang="el-GR" altLang="zh-CN" i="1">
                               <a:latin typeface="Cambria Math" panose="02040503050406030204" pitchFamily="18" charset="0"/>
                             </a:rPr>
                             <m:t>𝜋</m:t>
@@ -3421,14 +3429,14 @@
                           <m:sSup>
                             <m:sSupPr>
                               <m:ctrlPr>
-                                <a:rPr lang="en-US" altLang="zh-CN" i="1" smtClean="0">
+                                <a:rPr lang="en-US" altLang="zh-CN" i="1">
                                   <a:latin typeface="Cambria Math" panose="02040503050406030204" pitchFamily="18" charset="0"/>
                                 </a:rPr>
                               </m:ctrlPr>
                             </m:sSupPr>
                             <m:e>
                               <m:r>
-                                <a:rPr lang="en-US" altLang="zh-CN" i="1" smtClean="0">
+                                <a:rPr lang="en-US" altLang="zh-CN" i="1">
                                   <a:latin typeface="Cambria Math" panose="02040503050406030204" pitchFamily="18" charset="0"/>
                                 </a:rPr>
                                 <m:t>𝑟</m:t>
@@ -3436,7 +3444,7 @@
                             </m:e>
                             <m:sup>
                               <m:r>
-                                <a:rPr lang="en-US" altLang="zh-CN" i="1" smtClean="0">
+                                <a:rPr lang="en-US" altLang="zh-CN" i="1">
                                   <a:latin typeface="Cambria Math" panose="02040503050406030204" pitchFamily="18" charset="0"/>
                                 </a:rPr>
                                 <m:t>2</m:t>
@@ -3451,7 +3459,7 @@
                 </p:txBody>
               </p:sp>
             </mc:Choice>
-            <mc:Fallback>
+            <mc:Fallback xmlns="">
               <p:sp>
                 <p:nvSpPr>
                   <p:cNvPr id="9" name="椭圆 8"/>
@@ -3506,7 +3514,7 @@
                 <p:spPr>
                   <a:xfrm>
                     <a:off x="5139104" y="3072885"/>
-                    <a:ext cx="348760" cy="369332"/>
+                    <a:ext cx="348760" cy="270094"/>
                   </a:xfrm>
                   <a:prstGeom prst="rect">
                     <a:avLst/>
@@ -3524,6 +3532,7 @@
                   </a:bodyPr>
                   <a:lstStyle/>
                   <a:p>
+                    <a:pPr/>
                     <a14:m>
                       <m:oMathPara xmlns:m="http://schemas.openxmlformats.org/officeDocument/2006/math">
                         <m:oMathParaPr>
@@ -3533,14 +3542,14 @@
                           <m:sSub>
                             <m:sSubPr>
                               <m:ctrlPr>
-                                <a:rPr lang="en-US" altLang="zh-CN" b="0" i="1" smtClean="0">
+                                <a:rPr lang="en-US" altLang="zh-CN" i="1">
                                   <a:latin typeface="Cambria Math" panose="02040503050406030204" pitchFamily="18" charset="0"/>
                                 </a:rPr>
                               </m:ctrlPr>
                             </m:sSubPr>
                             <m:e>
                               <m:r>
-                                <a:rPr lang="en-US" altLang="zh-CN" b="0" i="1" smtClean="0">
+                                <a:rPr lang="en-US" altLang="zh-CN" i="1">
                                   <a:latin typeface="Cambria Math" panose="02040503050406030204" pitchFamily="18" charset="0"/>
                                 </a:rPr>
                                 <m:t>h</m:t>
@@ -3548,7 +3557,7 @@
                             </m:e>
                             <m:sub>
                               <m:r>
-                                <a:rPr lang="en-US" altLang="zh-CN" b="0" i="1" smtClean="0">
+                                <a:rPr lang="en-US" altLang="zh-CN" i="1">
                                   <a:latin typeface="Cambria Math" panose="02040503050406030204" pitchFamily="18" charset="0"/>
                                 </a:rPr>
                                 <m:t>2</m:t>
@@ -3575,7 +3584,7 @@
                 <p:spPr>
                   <a:xfrm>
                     <a:off x="5139104" y="3072885"/>
-                    <a:ext cx="348760" cy="369332"/>
+                    <a:ext cx="348760" cy="270094"/>
                   </a:xfrm>
                   <a:prstGeom prst="rect">
                     <a:avLst/>
@@ -3622,8 +3631,8 @@
               <a:chExt cx="465992" cy="465992"/>
             </a:xfrm>
           </p:grpSpPr>
-          <mc:AlternateContent xmlns:mc="http://schemas.openxmlformats.org/markup-compatibility/2006">
-            <mc:Choice xmlns:a14="http://schemas.microsoft.com/office/drawing/2010/main" Requires="a14">
+          <mc:AlternateContent xmlns:mc="http://schemas.openxmlformats.org/markup-compatibility/2006" xmlns:a14="http://schemas.microsoft.com/office/drawing/2010/main">
+            <mc:Choice Requires="a14">
               <p:sp>
                 <p:nvSpPr>
                   <p:cNvPr id="12" name="椭圆 11"/>
@@ -3675,19 +3684,19 @@
                         </m:oMathParaPr>
                         <m:oMath xmlns:m="http://schemas.openxmlformats.org/officeDocument/2006/math">
                           <m:r>
-                            <a:rPr lang="en-US" altLang="zh-CN" i="1" smtClean="0">
+                            <a:rPr lang="en-US" altLang="zh-CN" i="1">
                               <a:latin typeface="Cambria Math" panose="02040503050406030204" pitchFamily="18" charset="0"/>
                             </a:rPr>
                             <m:t>𝐴</m:t>
                           </m:r>
                           <m:r>
-                            <a:rPr lang="en-US" altLang="zh-CN" i="1" smtClean="0">
+                            <a:rPr lang="en-US" altLang="zh-CN" i="1">
                               <a:latin typeface="Cambria Math" panose="02040503050406030204" pitchFamily="18" charset="0"/>
                             </a:rPr>
                             <m:t>=</m:t>
                           </m:r>
                           <m:r>
-                            <a:rPr lang="el-GR" altLang="zh-CN" i="1" smtClean="0">
+                            <a:rPr lang="el-GR" altLang="zh-CN" i="1">
                               <a:latin typeface="Cambria Math" panose="02040503050406030204" pitchFamily="18" charset="0"/>
                             </a:rPr>
                             <m:t>𝜋</m:t>
@@ -3695,14 +3704,14 @@
                           <m:sSup>
                             <m:sSupPr>
                               <m:ctrlPr>
-                                <a:rPr lang="en-US" altLang="zh-CN" i="1" smtClean="0">
+                                <a:rPr lang="en-US" altLang="zh-CN" i="1">
                                   <a:latin typeface="Cambria Math" panose="02040503050406030204" pitchFamily="18" charset="0"/>
                                 </a:rPr>
                               </m:ctrlPr>
                             </m:sSupPr>
                             <m:e>
                               <m:r>
-                                <a:rPr lang="en-US" altLang="zh-CN" i="1" smtClean="0">
+                                <a:rPr lang="en-US" altLang="zh-CN" i="1">
                                   <a:latin typeface="Cambria Math" panose="02040503050406030204" pitchFamily="18" charset="0"/>
                                 </a:rPr>
                                 <m:t>𝑟</m:t>
@@ -3710,7 +3719,7 @@
                             </m:e>
                             <m:sup>
                               <m:r>
-                                <a:rPr lang="en-US" altLang="zh-CN" i="1" smtClean="0">
+                                <a:rPr lang="en-US" altLang="zh-CN" i="1">
                                   <a:latin typeface="Cambria Math" panose="02040503050406030204" pitchFamily="18" charset="0"/>
                                 </a:rPr>
                                 <m:t>2</m:t>
@@ -3727,13 +3736,13 @@
                             <m:t>h</m:t>
                           </m:r>
                           <m:r>
-                            <a:rPr lang="en-US" altLang="zh-CN" i="1" smtClean="0">
+                            <a:rPr lang="en-US" altLang="zh-CN" i="1">
                               <a:latin typeface="Cambria Math" panose="02040503050406030204" pitchFamily="18" charset="0"/>
                             </a:rPr>
                             <m:t>=</m:t>
                           </m:r>
                           <m:r>
-                            <a:rPr lang="el-GR" altLang="zh-CN" i="1" smtClean="0">
+                            <a:rPr lang="el-GR" altLang="zh-CN" i="1">
                               <a:latin typeface="Cambria Math" panose="02040503050406030204" pitchFamily="18" charset="0"/>
                             </a:rPr>
                             <m:t>𝜋</m:t>
@@ -3741,14 +3750,14 @@
                           <m:sSup>
                             <m:sSupPr>
                               <m:ctrlPr>
-                                <a:rPr lang="en-US" altLang="zh-CN" i="1" smtClean="0">
+                                <a:rPr lang="en-US" altLang="zh-CN" i="1">
                                   <a:latin typeface="Cambria Math" panose="02040503050406030204" pitchFamily="18" charset="0"/>
                                 </a:rPr>
                               </m:ctrlPr>
                             </m:sSupPr>
                             <m:e>
                               <m:r>
-                                <a:rPr lang="en-US" altLang="zh-CN" i="1" smtClean="0">
+                                <a:rPr lang="en-US" altLang="zh-CN" i="1">
                                   <a:latin typeface="Cambria Math" panose="02040503050406030204" pitchFamily="18" charset="0"/>
                                 </a:rPr>
                                 <m:t>𝑟</m:t>
@@ -3756,7 +3765,7 @@
                             </m:e>
                             <m:sup>
                               <m:r>
-                                <a:rPr lang="en-US" altLang="zh-CN" i="1" smtClean="0">
+                                <a:rPr lang="en-US" altLang="zh-CN" i="1">
                                   <a:latin typeface="Cambria Math" panose="02040503050406030204" pitchFamily="18" charset="0"/>
                                 </a:rPr>
                                 <m:t>2</m:t>
@@ -3771,7 +3780,7 @@
                 </p:txBody>
               </p:sp>
             </mc:Choice>
-            <mc:Fallback>
+            <mc:Fallback xmlns="">
               <p:sp>
                 <p:nvSpPr>
                   <p:cNvPr id="12" name="椭圆 11"/>
@@ -3826,7 +3835,7 @@
                 <p:spPr>
                   <a:xfrm>
                     <a:off x="5139104" y="3072885"/>
-                    <a:ext cx="334108" cy="369332"/>
+                    <a:ext cx="334108" cy="270094"/>
                   </a:xfrm>
                   <a:prstGeom prst="rect">
                     <a:avLst/>
@@ -3846,6 +3855,7 @@
                   </a:bodyPr>
                   <a:lstStyle/>
                   <a:p>
+                    <a:pPr/>
                     <a14:m>
                       <m:oMathPara xmlns:m="http://schemas.openxmlformats.org/officeDocument/2006/math">
                         <m:oMathParaPr>
@@ -3855,14 +3865,14 @@
                           <m:sSub>
                             <m:sSubPr>
                               <m:ctrlPr>
-                                <a:rPr lang="en-US" altLang="zh-CN" b="0" i="1" smtClean="0">
+                                <a:rPr lang="en-US" altLang="zh-CN" i="1">
                                   <a:latin typeface="Cambria Math" panose="02040503050406030204" pitchFamily="18" charset="0"/>
                                 </a:rPr>
                               </m:ctrlPr>
                             </m:sSubPr>
                             <m:e>
                               <m:r>
-                                <a:rPr lang="en-US" altLang="zh-CN" b="0" i="1" smtClean="0">
+                                <a:rPr lang="en-US" altLang="zh-CN" i="1">
                                   <a:latin typeface="Cambria Math" panose="02040503050406030204" pitchFamily="18" charset="0"/>
                                 </a:rPr>
                                 <m:t>h</m:t>
@@ -3870,7 +3880,7 @@
                             </m:e>
                             <m:sub>
                               <m:r>
-                                <a:rPr lang="en-US" altLang="zh-CN" b="0" i="1" smtClean="0">
+                                <a:rPr lang="en-US" altLang="zh-CN" i="1">
                                   <a:latin typeface="Cambria Math" panose="02040503050406030204" pitchFamily="18" charset="0"/>
                                 </a:rPr>
                                 <m:t>3</m:t>
@@ -3897,7 +3907,7 @@
                 <p:spPr>
                   <a:xfrm>
                     <a:off x="5139104" y="3072885"/>
-                    <a:ext cx="334108" cy="369332"/>
+                    <a:ext cx="334108" cy="270094"/>
                   </a:xfrm>
                   <a:prstGeom prst="rect">
                     <a:avLst/>
@@ -3944,8 +3954,8 @@
               <a:chExt cx="465992" cy="465992"/>
             </a:xfrm>
           </p:grpSpPr>
-          <mc:AlternateContent xmlns:mc="http://schemas.openxmlformats.org/markup-compatibility/2006">
-            <mc:Choice xmlns:a14="http://schemas.microsoft.com/office/drawing/2010/main" Requires="a14">
+          <mc:AlternateContent xmlns:mc="http://schemas.openxmlformats.org/markup-compatibility/2006" xmlns:a14="http://schemas.microsoft.com/office/drawing/2010/main">
+            <mc:Choice Requires="a14">
               <p:sp>
                 <p:nvSpPr>
                   <p:cNvPr id="15" name="椭圆 14"/>
@@ -3997,19 +4007,19 @@
                         </m:oMathParaPr>
                         <m:oMath xmlns:m="http://schemas.openxmlformats.org/officeDocument/2006/math">
                           <m:r>
-                            <a:rPr lang="en-US" altLang="zh-CN" i="1" smtClean="0">
+                            <a:rPr lang="en-US" altLang="zh-CN" i="1">
                               <a:latin typeface="Cambria Math" panose="02040503050406030204" pitchFamily="18" charset="0"/>
                             </a:rPr>
                             <m:t>𝐴</m:t>
                           </m:r>
                           <m:r>
-                            <a:rPr lang="en-US" altLang="zh-CN" i="1" smtClean="0">
+                            <a:rPr lang="en-US" altLang="zh-CN" i="1">
                               <a:latin typeface="Cambria Math" panose="02040503050406030204" pitchFamily="18" charset="0"/>
                             </a:rPr>
                             <m:t>=</m:t>
                           </m:r>
                           <m:r>
-                            <a:rPr lang="el-GR" altLang="zh-CN" i="1" smtClean="0">
+                            <a:rPr lang="el-GR" altLang="zh-CN" i="1">
                               <a:latin typeface="Cambria Math" panose="02040503050406030204" pitchFamily="18" charset="0"/>
                             </a:rPr>
                             <m:t>𝜋</m:t>
@@ -4017,14 +4027,14 @@
                           <m:sSup>
                             <m:sSupPr>
                               <m:ctrlPr>
-                                <a:rPr lang="en-US" altLang="zh-CN" i="1" smtClean="0">
+                                <a:rPr lang="en-US" altLang="zh-CN" i="1">
                                   <a:latin typeface="Cambria Math" panose="02040503050406030204" pitchFamily="18" charset="0"/>
                                 </a:rPr>
                               </m:ctrlPr>
                             </m:sSupPr>
                             <m:e>
                               <m:r>
-                                <a:rPr lang="en-US" altLang="zh-CN" i="1" smtClean="0">
+                                <a:rPr lang="en-US" altLang="zh-CN" i="1">
                                   <a:latin typeface="Cambria Math" panose="02040503050406030204" pitchFamily="18" charset="0"/>
                                 </a:rPr>
                                 <m:t>𝑟</m:t>
@@ -4032,7 +4042,7 @@
                             </m:e>
                             <m:sup>
                               <m:r>
-                                <a:rPr lang="en-US" altLang="zh-CN" i="1" smtClean="0">
+                                <a:rPr lang="en-US" altLang="zh-CN" i="1">
                                   <a:latin typeface="Cambria Math" panose="02040503050406030204" pitchFamily="18" charset="0"/>
                                 </a:rPr>
                                 <m:t>2</m:t>
@@ -4049,13 +4059,13 @@
                             <m:t>h</m:t>
                           </m:r>
                           <m:r>
-                            <a:rPr lang="en-US" altLang="zh-CN" i="1" smtClean="0">
+                            <a:rPr lang="en-US" altLang="zh-CN" i="1">
                               <a:latin typeface="Cambria Math" panose="02040503050406030204" pitchFamily="18" charset="0"/>
                             </a:rPr>
                             <m:t>=</m:t>
                           </m:r>
                           <m:r>
-                            <a:rPr lang="el-GR" altLang="zh-CN" i="1" smtClean="0">
+                            <a:rPr lang="el-GR" altLang="zh-CN" i="1">
                               <a:latin typeface="Cambria Math" panose="02040503050406030204" pitchFamily="18" charset="0"/>
                             </a:rPr>
                             <m:t>𝜋</m:t>
@@ -4063,14 +4073,14 @@
                           <m:sSup>
                             <m:sSupPr>
                               <m:ctrlPr>
-                                <a:rPr lang="en-US" altLang="zh-CN" i="1" smtClean="0">
+                                <a:rPr lang="en-US" altLang="zh-CN" i="1">
                                   <a:latin typeface="Cambria Math" panose="02040503050406030204" pitchFamily="18" charset="0"/>
                                 </a:rPr>
                               </m:ctrlPr>
                             </m:sSupPr>
                             <m:e>
                               <m:r>
-                                <a:rPr lang="en-US" altLang="zh-CN" i="1" smtClean="0">
+                                <a:rPr lang="en-US" altLang="zh-CN" i="1">
                                   <a:latin typeface="Cambria Math" panose="02040503050406030204" pitchFamily="18" charset="0"/>
                                 </a:rPr>
                                 <m:t>𝑟</m:t>
@@ -4078,7 +4088,7 @@
                             </m:e>
                             <m:sup>
                               <m:r>
-                                <a:rPr lang="en-US" altLang="zh-CN" i="1" smtClean="0">
+                                <a:rPr lang="en-US" altLang="zh-CN" i="1">
                                   <a:latin typeface="Cambria Math" panose="02040503050406030204" pitchFamily="18" charset="0"/>
                                 </a:rPr>
                                 <m:t>2</m:t>
@@ -4093,7 +4103,7 @@
                 </p:txBody>
               </p:sp>
             </mc:Choice>
-            <mc:Fallback>
+            <mc:Fallback xmlns="">
               <p:sp>
                 <p:nvSpPr>
                   <p:cNvPr id="15" name="椭圆 14"/>
@@ -4148,7 +4158,7 @@
                 <p:spPr>
                   <a:xfrm>
                     <a:off x="5139104" y="3072885"/>
-                    <a:ext cx="334108" cy="369332"/>
+                    <a:ext cx="334108" cy="270094"/>
                   </a:xfrm>
                   <a:prstGeom prst="rect">
                     <a:avLst/>
@@ -4166,6 +4176,7 @@
                   </a:bodyPr>
                   <a:lstStyle/>
                   <a:p>
+                    <a:pPr/>
                     <a14:m>
                       <m:oMathPara xmlns:m="http://schemas.openxmlformats.org/officeDocument/2006/math">
                         <m:oMathParaPr>
@@ -4175,14 +4186,14 @@
                           <m:sSub>
                             <m:sSubPr>
                               <m:ctrlPr>
-                                <a:rPr lang="en-US" altLang="zh-CN" b="0" i="1" smtClean="0">
+                                <a:rPr lang="en-US" altLang="zh-CN" i="1">
                                   <a:latin typeface="Cambria Math" panose="02040503050406030204" pitchFamily="18" charset="0"/>
                                 </a:rPr>
                               </m:ctrlPr>
                             </m:sSubPr>
                             <m:e>
                               <m:r>
-                                <a:rPr lang="en-US" altLang="zh-CN" b="0" i="1" smtClean="0">
+                                <a:rPr lang="en-US" altLang="zh-CN" i="1">
                                   <a:latin typeface="Cambria Math" panose="02040503050406030204" pitchFamily="18" charset="0"/>
                                 </a:rPr>
                                 <m:t>h</m:t>
@@ -4190,7 +4201,7 @@
                             </m:e>
                             <m:sub>
                               <m:r>
-                                <a:rPr lang="en-US" altLang="zh-CN" b="0" i="1" smtClean="0">
+                                <a:rPr lang="en-US" altLang="zh-CN" i="1">
                                   <a:latin typeface="Cambria Math" panose="02040503050406030204" pitchFamily="18" charset="0"/>
                                 </a:rPr>
                                 <m:t>4</m:t>
@@ -4217,7 +4228,7 @@
                 <p:spPr>
                   <a:xfrm>
                     <a:off x="5139104" y="3072885"/>
-                    <a:ext cx="334108" cy="369332"/>
+                    <a:ext cx="334108" cy="270094"/>
                   </a:xfrm>
                   <a:prstGeom prst="rect">
                     <a:avLst/>
@@ -4264,8 +4275,8 @@
               <a:chExt cx="465992" cy="465992"/>
             </a:xfrm>
           </p:grpSpPr>
-          <mc:AlternateContent xmlns:mc="http://schemas.openxmlformats.org/markup-compatibility/2006">
-            <mc:Choice xmlns:a14="http://schemas.microsoft.com/office/drawing/2010/main" Requires="a14">
+          <mc:AlternateContent xmlns:mc="http://schemas.openxmlformats.org/markup-compatibility/2006" xmlns:a14="http://schemas.microsoft.com/office/drawing/2010/main">
+            <mc:Choice Requires="a14">
               <p:sp>
                 <p:nvSpPr>
                   <p:cNvPr id="18" name="椭圆 17"/>
@@ -4317,19 +4328,19 @@
                         </m:oMathParaPr>
                         <m:oMath xmlns:m="http://schemas.openxmlformats.org/officeDocument/2006/math">
                           <m:r>
-                            <a:rPr lang="en-US" altLang="zh-CN" i="1" smtClean="0">
+                            <a:rPr lang="en-US" altLang="zh-CN" i="1">
                               <a:latin typeface="Cambria Math" panose="02040503050406030204" pitchFamily="18" charset="0"/>
                             </a:rPr>
                             <m:t>𝐴</m:t>
                           </m:r>
                           <m:r>
-                            <a:rPr lang="en-US" altLang="zh-CN" i="1" smtClean="0">
+                            <a:rPr lang="en-US" altLang="zh-CN" i="1">
                               <a:latin typeface="Cambria Math" panose="02040503050406030204" pitchFamily="18" charset="0"/>
                             </a:rPr>
                             <m:t>=</m:t>
                           </m:r>
                           <m:r>
-                            <a:rPr lang="el-GR" altLang="zh-CN" i="1" smtClean="0">
+                            <a:rPr lang="el-GR" altLang="zh-CN" i="1">
                               <a:latin typeface="Cambria Math" panose="02040503050406030204" pitchFamily="18" charset="0"/>
                             </a:rPr>
                             <m:t>𝜋</m:t>
@@ -4337,14 +4348,14 @@
                           <m:sSup>
                             <m:sSupPr>
                               <m:ctrlPr>
-                                <a:rPr lang="en-US" altLang="zh-CN" i="1" smtClean="0">
+                                <a:rPr lang="en-US" altLang="zh-CN" i="1">
                                   <a:latin typeface="Cambria Math" panose="02040503050406030204" pitchFamily="18" charset="0"/>
                                 </a:rPr>
                               </m:ctrlPr>
                             </m:sSupPr>
                             <m:e>
                               <m:r>
-                                <a:rPr lang="en-US" altLang="zh-CN" i="1" smtClean="0">
+                                <a:rPr lang="en-US" altLang="zh-CN" i="1">
                                   <a:latin typeface="Cambria Math" panose="02040503050406030204" pitchFamily="18" charset="0"/>
                                 </a:rPr>
                                 <m:t>𝑟</m:t>
@@ -4352,7 +4363,7 @@
                             </m:e>
                             <m:sup>
                               <m:r>
-                                <a:rPr lang="en-US" altLang="zh-CN" i="1" smtClean="0">
+                                <a:rPr lang="en-US" altLang="zh-CN" i="1">
                                   <a:latin typeface="Cambria Math" panose="02040503050406030204" pitchFamily="18" charset="0"/>
                                 </a:rPr>
                                 <m:t>2</m:t>
@@ -4369,13 +4380,13 @@
                             <m:t>h</m:t>
                           </m:r>
                           <m:r>
-                            <a:rPr lang="en-US" altLang="zh-CN" i="1" smtClean="0">
+                            <a:rPr lang="en-US" altLang="zh-CN" i="1">
                               <a:latin typeface="Cambria Math" panose="02040503050406030204" pitchFamily="18" charset="0"/>
                             </a:rPr>
                             <m:t>=</m:t>
                           </m:r>
                           <m:r>
-                            <a:rPr lang="el-GR" altLang="zh-CN" i="1" smtClean="0">
+                            <a:rPr lang="el-GR" altLang="zh-CN" i="1">
                               <a:latin typeface="Cambria Math" panose="02040503050406030204" pitchFamily="18" charset="0"/>
                             </a:rPr>
                             <m:t>𝜋</m:t>
@@ -4383,14 +4394,14 @@
                           <m:sSup>
                             <m:sSupPr>
                               <m:ctrlPr>
-                                <a:rPr lang="en-US" altLang="zh-CN" i="1" smtClean="0">
+                                <a:rPr lang="en-US" altLang="zh-CN" i="1">
                                   <a:latin typeface="Cambria Math" panose="02040503050406030204" pitchFamily="18" charset="0"/>
                                 </a:rPr>
                               </m:ctrlPr>
                             </m:sSupPr>
                             <m:e>
                               <m:r>
-                                <a:rPr lang="en-US" altLang="zh-CN" i="1" smtClean="0">
+                                <a:rPr lang="en-US" altLang="zh-CN" i="1">
                                   <a:latin typeface="Cambria Math" panose="02040503050406030204" pitchFamily="18" charset="0"/>
                                 </a:rPr>
                                 <m:t>𝑟</m:t>
@@ -4398,7 +4409,7 @@
                             </m:e>
                             <m:sup>
                               <m:r>
-                                <a:rPr lang="en-US" altLang="zh-CN" i="1" smtClean="0">
+                                <a:rPr lang="en-US" altLang="zh-CN" i="1">
                                   <a:latin typeface="Cambria Math" panose="02040503050406030204" pitchFamily="18" charset="0"/>
                                 </a:rPr>
                                 <m:t>2</m:t>
@@ -4413,7 +4424,7 @@
                 </p:txBody>
               </p:sp>
             </mc:Choice>
-            <mc:Fallback>
+            <mc:Fallback xmlns="">
               <p:sp>
                 <p:nvSpPr>
                   <p:cNvPr id="18" name="椭圆 17"/>
@@ -4468,7 +4479,7 @@
                 <p:spPr>
                   <a:xfrm>
                     <a:off x="5139104" y="3072885"/>
-                    <a:ext cx="334108" cy="369332"/>
+                    <a:ext cx="334108" cy="270094"/>
                   </a:xfrm>
                   <a:prstGeom prst="rect">
                     <a:avLst/>
@@ -4481,6 +4492,7 @@
                   </a:bodyPr>
                   <a:lstStyle/>
                   <a:p>
+                    <a:pPr/>
                     <a14:m>
                       <m:oMathPara xmlns:m="http://schemas.openxmlformats.org/officeDocument/2006/math">
                         <m:oMathParaPr>
@@ -4490,14 +4502,14 @@
                           <m:sSub>
                             <m:sSubPr>
                               <m:ctrlPr>
-                                <a:rPr lang="en-US" altLang="zh-CN" b="0" i="1" smtClean="0">
+                                <a:rPr lang="en-US" altLang="zh-CN" i="1">
                                   <a:latin typeface="Cambria Math" panose="02040503050406030204" pitchFamily="18" charset="0"/>
                                 </a:rPr>
                               </m:ctrlPr>
                             </m:sSubPr>
                             <m:e>
                               <m:r>
-                                <a:rPr lang="en-US" altLang="zh-CN" b="0" i="1" smtClean="0">
+                                <a:rPr lang="en-US" altLang="zh-CN" i="1">
                                   <a:latin typeface="Cambria Math" panose="02040503050406030204" pitchFamily="18" charset="0"/>
                                 </a:rPr>
                                 <m:t>h</m:t>
@@ -4505,7 +4517,7 @@
                             </m:e>
                             <m:sub>
                               <m:r>
-                                <a:rPr lang="en-US" altLang="zh-CN" b="0" i="1" smtClean="0">
+                                <a:rPr lang="en-US" altLang="zh-CN" i="1">
                                   <a:latin typeface="Cambria Math" panose="02040503050406030204" pitchFamily="18" charset="0"/>
                                 </a:rPr>
                                 <m:t>5</m:t>
@@ -4532,7 +4544,7 @@
                 <p:spPr>
                   <a:xfrm>
                     <a:off x="5139104" y="3072885"/>
-                    <a:ext cx="334108" cy="369332"/>
+                    <a:ext cx="334108" cy="270094"/>
                   </a:xfrm>
                   <a:prstGeom prst="rect">
                     <a:avLst/>
@@ -5031,8 +5043,8 @@
               <a:chExt cx="465992" cy="465992"/>
             </a:xfrm>
           </p:grpSpPr>
-          <mc:AlternateContent xmlns:mc="http://schemas.openxmlformats.org/markup-compatibility/2006">
-            <mc:Choice xmlns:a14="http://schemas.microsoft.com/office/drawing/2010/main" Requires="a14">
+          <mc:AlternateContent xmlns:mc="http://schemas.openxmlformats.org/markup-compatibility/2006" xmlns:a14="http://schemas.microsoft.com/office/drawing/2010/main">
+            <mc:Choice Requires="a14">
               <p:sp>
                 <p:nvSpPr>
                   <p:cNvPr id="51" name="椭圆 50"/>
@@ -5084,19 +5096,19 @@
                         </m:oMathParaPr>
                         <m:oMath xmlns:m="http://schemas.openxmlformats.org/officeDocument/2006/math">
                           <m:r>
-                            <a:rPr lang="en-US" altLang="zh-CN" i="1" smtClean="0">
+                            <a:rPr lang="en-US" altLang="zh-CN" i="1">
                               <a:latin typeface="Cambria Math" panose="02040503050406030204" pitchFamily="18" charset="0"/>
                             </a:rPr>
                             <m:t>𝐴</m:t>
                           </m:r>
                           <m:r>
-                            <a:rPr lang="en-US" altLang="zh-CN" i="1" smtClean="0">
+                            <a:rPr lang="en-US" altLang="zh-CN" i="1">
                               <a:latin typeface="Cambria Math" panose="02040503050406030204" pitchFamily="18" charset="0"/>
                             </a:rPr>
                             <m:t>=</m:t>
                           </m:r>
                           <m:r>
-                            <a:rPr lang="el-GR" altLang="zh-CN" i="1" smtClean="0">
+                            <a:rPr lang="el-GR" altLang="zh-CN" i="1">
                               <a:latin typeface="Cambria Math" panose="02040503050406030204" pitchFamily="18" charset="0"/>
                             </a:rPr>
                             <m:t>𝜋</m:t>
@@ -5104,14 +5116,14 @@
                           <m:sSup>
                             <m:sSupPr>
                               <m:ctrlPr>
-                                <a:rPr lang="en-US" altLang="zh-CN" i="1" smtClean="0">
+                                <a:rPr lang="en-US" altLang="zh-CN" i="1">
                                   <a:latin typeface="Cambria Math" panose="02040503050406030204" pitchFamily="18" charset="0"/>
                                 </a:rPr>
                               </m:ctrlPr>
                             </m:sSupPr>
                             <m:e>
                               <m:r>
-                                <a:rPr lang="en-US" altLang="zh-CN" i="1" smtClean="0">
+                                <a:rPr lang="en-US" altLang="zh-CN" i="1">
                                   <a:latin typeface="Cambria Math" panose="02040503050406030204" pitchFamily="18" charset="0"/>
                                 </a:rPr>
                                 <m:t>𝑟</m:t>
@@ -5119,7 +5131,7 @@
                             </m:e>
                             <m:sup>
                               <m:r>
-                                <a:rPr lang="en-US" altLang="zh-CN" i="1" smtClean="0">
+                                <a:rPr lang="en-US" altLang="zh-CN" i="1">
                                   <a:latin typeface="Cambria Math" panose="02040503050406030204" pitchFamily="18" charset="0"/>
                                 </a:rPr>
                                 <m:t>2</m:t>
@@ -5136,13 +5148,13 @@
                             <m:t>h</m:t>
                           </m:r>
                           <m:r>
-                            <a:rPr lang="en-US" altLang="zh-CN" i="1" smtClean="0">
+                            <a:rPr lang="en-US" altLang="zh-CN" i="1">
                               <a:latin typeface="Cambria Math" panose="02040503050406030204" pitchFamily="18" charset="0"/>
                             </a:rPr>
                             <m:t>=</m:t>
                           </m:r>
                           <m:r>
-                            <a:rPr lang="el-GR" altLang="zh-CN" i="1" smtClean="0">
+                            <a:rPr lang="el-GR" altLang="zh-CN" i="1">
                               <a:latin typeface="Cambria Math" panose="02040503050406030204" pitchFamily="18" charset="0"/>
                             </a:rPr>
                             <m:t>𝜋</m:t>
@@ -5150,14 +5162,14 @@
                           <m:sSup>
                             <m:sSupPr>
                               <m:ctrlPr>
-                                <a:rPr lang="en-US" altLang="zh-CN" i="1" smtClean="0">
+                                <a:rPr lang="en-US" altLang="zh-CN" i="1">
                                   <a:latin typeface="Cambria Math" panose="02040503050406030204" pitchFamily="18" charset="0"/>
                                 </a:rPr>
                               </m:ctrlPr>
                             </m:sSupPr>
                             <m:e>
                               <m:r>
-                                <a:rPr lang="en-US" altLang="zh-CN" i="1" smtClean="0">
+                                <a:rPr lang="en-US" altLang="zh-CN" i="1">
                                   <a:latin typeface="Cambria Math" panose="02040503050406030204" pitchFamily="18" charset="0"/>
                                 </a:rPr>
                                 <m:t>𝑟</m:t>
@@ -5165,7 +5177,7 @@
                             </m:e>
                             <m:sup>
                               <m:r>
-                                <a:rPr lang="en-US" altLang="zh-CN" i="1" smtClean="0">
+                                <a:rPr lang="en-US" altLang="zh-CN" i="1">
                                   <a:latin typeface="Cambria Math" panose="02040503050406030204" pitchFamily="18" charset="0"/>
                                 </a:rPr>
                                 <m:t>2</m:t>
@@ -5180,7 +5192,7 @@
                 </p:txBody>
               </p:sp>
             </mc:Choice>
-            <mc:Fallback>
+            <mc:Fallback xmlns="">
               <p:sp>
                 <p:nvSpPr>
                   <p:cNvPr id="51" name="椭圆 50"/>
@@ -5235,7 +5247,7 @@
                 <p:spPr>
                   <a:xfrm>
                     <a:off x="5139104" y="3072885"/>
-                    <a:ext cx="334108" cy="378180"/>
+                    <a:ext cx="334108" cy="270094"/>
                   </a:xfrm>
                   <a:prstGeom prst="rect">
                     <a:avLst/>
@@ -5248,6 +5260,7 @@
                   </a:bodyPr>
                   <a:lstStyle/>
                   <a:p>
+                    <a:pPr/>
                     <a14:m>
                       <m:oMathPara xmlns:m="http://schemas.openxmlformats.org/officeDocument/2006/math">
                         <m:oMathParaPr>
@@ -5257,14 +5270,14 @@
                           <m:sSubSup>
                             <m:sSubSupPr>
                               <m:ctrlPr>
-                                <a:rPr lang="en-US" altLang="zh-CN" b="0" i="1" smtClean="0">
+                                <a:rPr lang="en-US" altLang="zh-CN" i="1">
                                   <a:latin typeface="Cambria Math" panose="02040503050406030204" pitchFamily="18" charset="0"/>
                                 </a:rPr>
                               </m:ctrlPr>
                             </m:sSubSupPr>
                             <m:e>
                               <m:r>
-                                <a:rPr lang="en-US" altLang="zh-CN" b="0" i="1" smtClean="0">
+                                <a:rPr lang="en-US" altLang="zh-CN" i="1">
                                   <a:latin typeface="Cambria Math" panose="02040503050406030204" pitchFamily="18" charset="0"/>
                                 </a:rPr>
                                 <m:t>h</m:t>
@@ -5272,7 +5285,7 @@
                             </m:e>
                             <m:sub>
                               <m:r>
-                                <a:rPr lang="en-US" altLang="zh-CN" b="0" i="1" smtClean="0">
+                                <a:rPr lang="en-US" altLang="zh-CN" i="1">
                                   <a:latin typeface="Cambria Math" panose="02040503050406030204" pitchFamily="18" charset="0"/>
                                 </a:rPr>
                                 <m:t>1</m:t>
@@ -5280,7 +5293,7 @@
                             </m:sub>
                             <m:sup>
                               <m:r>
-                                <a:rPr lang="en-US" altLang="zh-CN" b="0" i="1" smtClean="0">
+                                <a:rPr lang="en-US" altLang="zh-CN" i="1">
                                   <a:latin typeface="Cambria Math" panose="02040503050406030204" pitchFamily="18" charset="0"/>
                                 </a:rPr>
                                 <m:t>′</m:t>
@@ -5307,7 +5320,7 @@
                 <p:spPr>
                   <a:xfrm>
                     <a:off x="5139104" y="3072885"/>
-                    <a:ext cx="334108" cy="378180"/>
+                    <a:ext cx="334108" cy="270094"/>
                   </a:xfrm>
                   <a:prstGeom prst="rect">
                     <a:avLst/>
@@ -5383,7 +5396,7 @@
           <p:spPr>
             <a:xfrm>
               <a:off x="5923041" y="2908132"/>
-              <a:ext cx="1094936" cy="369332"/>
+              <a:ext cx="1094936" cy="270094"/>
             </a:xfrm>
             <a:prstGeom prst="rect">
               <a:avLst/>
@@ -5397,7 +5410,7 @@
             <a:lstStyle/>
             <a:p>
               <a:r>
-                <a:rPr lang="en-US" altLang="zh-CN" dirty="0" err="1" smtClean="0"/>
+                <a:rPr lang="en-US" altLang="zh-CN" dirty="0" err="1"/>
                 <a:t>avg</a:t>
               </a:r>
               <a:endParaRPr lang="zh-CN" altLang="en-US" dirty="0"/>
@@ -5415,7 +5428,7 @@
               <p:spPr>
                 <a:xfrm>
                   <a:off x="5359749" y="2367604"/>
-                  <a:ext cx="469551" cy="369332"/>
+                  <a:ext cx="469551" cy="270094"/>
                 </a:xfrm>
                 <a:prstGeom prst="rect">
                   <a:avLst/>
@@ -5428,6 +5441,7 @@
                 </a:bodyPr>
                 <a:lstStyle/>
                 <a:p>
+                  <a:pPr/>
                   <a14:m>
                     <m:oMathPara xmlns:m="http://schemas.openxmlformats.org/officeDocument/2006/math">
                       <m:oMathParaPr>
@@ -5437,14 +5451,14 @@
                         <m:sSub>
                           <m:sSubPr>
                             <m:ctrlPr>
-                              <a:rPr lang="en-US" altLang="zh-CN" b="0" i="1" smtClean="0">
+                              <a:rPr lang="en-US" altLang="zh-CN" i="1">
                                 <a:latin typeface="Cambria Math" panose="02040503050406030204" pitchFamily="18" charset="0"/>
                               </a:rPr>
                             </m:ctrlPr>
                           </m:sSubPr>
                           <m:e>
                             <m:r>
-                              <a:rPr lang="en-US" altLang="zh-CN" b="0" i="1" smtClean="0">
+                              <a:rPr lang="en-US" altLang="zh-CN" i="1">
                                 <a:latin typeface="Cambria Math" panose="02040503050406030204" pitchFamily="18" charset="0"/>
                               </a:rPr>
                               <m:t>𝑎</m:t>
@@ -5452,7 +5466,7 @@
                           </m:e>
                           <m:sub>
                             <m:r>
-                              <a:rPr lang="en-US" altLang="zh-CN" b="0" i="1" smtClean="0">
+                              <a:rPr lang="en-US" altLang="zh-CN" i="1">
                                 <a:latin typeface="Cambria Math" panose="02040503050406030204" pitchFamily="18" charset="0"/>
                               </a:rPr>
                               <m:t>12</m:t>
@@ -5479,7 +5493,7 @@
               <p:spPr>
                 <a:xfrm>
                   <a:off x="5359749" y="2367604"/>
-                  <a:ext cx="469551" cy="369332"/>
+                  <a:ext cx="469551" cy="270094"/>
                 </a:xfrm>
                 <a:prstGeom prst="rect">
                   <a:avLst/>
@@ -5517,7 +5531,7 @@
               <p:spPr>
                 <a:xfrm>
                   <a:off x="4164729" y="2771796"/>
-                  <a:ext cx="469551" cy="369332"/>
+                  <a:ext cx="469551" cy="270094"/>
                 </a:xfrm>
                 <a:prstGeom prst="rect">
                   <a:avLst/>
@@ -5530,6 +5544,7 @@
                 </a:bodyPr>
                 <a:lstStyle/>
                 <a:p>
+                  <a:pPr/>
                   <a14:m>
                     <m:oMathPara xmlns:m="http://schemas.openxmlformats.org/officeDocument/2006/math">
                       <m:oMathParaPr>
@@ -5539,14 +5554,14 @@
                         <m:sSub>
                           <m:sSubPr>
                             <m:ctrlPr>
-                              <a:rPr lang="en-US" altLang="zh-CN" b="0" i="1" smtClean="0">
+                              <a:rPr lang="en-US" altLang="zh-CN" i="1">
                                 <a:latin typeface="Cambria Math" panose="02040503050406030204" pitchFamily="18" charset="0"/>
                               </a:rPr>
                             </m:ctrlPr>
                           </m:sSubPr>
                           <m:e>
                             <m:r>
-                              <a:rPr lang="en-US" altLang="zh-CN" b="0" i="1" smtClean="0">
+                              <a:rPr lang="en-US" altLang="zh-CN" i="1">
                                 <a:latin typeface="Cambria Math" panose="02040503050406030204" pitchFamily="18" charset="0"/>
                               </a:rPr>
                               <m:t>𝑎</m:t>
@@ -5554,7 +5569,7 @@
                           </m:e>
                           <m:sub>
                             <m:r>
-                              <a:rPr lang="en-US" altLang="zh-CN" b="0" i="1" smtClean="0">
+                              <a:rPr lang="en-US" altLang="zh-CN" i="1">
                                 <a:latin typeface="Cambria Math" panose="02040503050406030204" pitchFamily="18" charset="0"/>
                               </a:rPr>
                               <m:t>13</m:t>
@@ -5581,7 +5596,7 @@
               <p:spPr>
                 <a:xfrm>
                   <a:off x="4164729" y="2771796"/>
-                  <a:ext cx="469551" cy="369332"/>
+                  <a:ext cx="469551" cy="270094"/>
                 </a:xfrm>
                 <a:prstGeom prst="rect">
                   <a:avLst/>
@@ -5619,7 +5634,7 @@
               <p:spPr>
                 <a:xfrm>
                   <a:off x="4354702" y="3751276"/>
-                  <a:ext cx="469551" cy="369332"/>
+                  <a:ext cx="469551" cy="270094"/>
                 </a:xfrm>
                 <a:prstGeom prst="rect">
                   <a:avLst/>
@@ -5632,6 +5647,7 @@
                 </a:bodyPr>
                 <a:lstStyle/>
                 <a:p>
+                  <a:pPr/>
                   <a14:m>
                     <m:oMathPara xmlns:m="http://schemas.openxmlformats.org/officeDocument/2006/math">
                       <m:oMathParaPr>
@@ -5641,14 +5657,14 @@
                         <m:sSub>
                           <m:sSubPr>
                             <m:ctrlPr>
-                              <a:rPr lang="en-US" altLang="zh-CN" b="0" i="1" smtClean="0">
+                              <a:rPr lang="en-US" altLang="zh-CN" i="1">
                                 <a:latin typeface="Cambria Math" panose="02040503050406030204" pitchFamily="18" charset="0"/>
                               </a:rPr>
                             </m:ctrlPr>
                           </m:sSubPr>
                           <m:e>
                             <m:r>
-                              <a:rPr lang="en-US" altLang="zh-CN" b="0" i="1" smtClean="0">
+                              <a:rPr lang="en-US" altLang="zh-CN" i="1">
                                 <a:latin typeface="Cambria Math" panose="02040503050406030204" pitchFamily="18" charset="0"/>
                               </a:rPr>
                               <m:t>𝑎</m:t>
@@ -5656,7 +5672,7 @@
                           </m:e>
                           <m:sub>
                             <m:r>
-                              <a:rPr lang="en-US" altLang="zh-CN" b="0" i="1" smtClean="0">
+                              <a:rPr lang="en-US" altLang="zh-CN" i="1">
                                 <a:latin typeface="Cambria Math" panose="02040503050406030204" pitchFamily="18" charset="0"/>
                               </a:rPr>
                               <m:t>14</m:t>
@@ -5683,7 +5699,7 @@
               <p:spPr>
                 <a:xfrm>
                   <a:off x="4354702" y="3751276"/>
-                  <a:ext cx="469551" cy="369332"/>
+                  <a:ext cx="469551" cy="270094"/>
                 </a:xfrm>
                 <a:prstGeom prst="rect">
                   <a:avLst/>
@@ -5721,7 +5737,7 @@
               <p:spPr>
                 <a:xfrm>
                   <a:off x="5346098" y="3791329"/>
-                  <a:ext cx="469551" cy="369332"/>
+                  <a:ext cx="469551" cy="270094"/>
                 </a:xfrm>
                 <a:prstGeom prst="rect">
                   <a:avLst/>
@@ -5734,6 +5750,7 @@
                 </a:bodyPr>
                 <a:lstStyle/>
                 <a:p>
+                  <a:pPr/>
                   <a14:m>
                     <m:oMathPara xmlns:m="http://schemas.openxmlformats.org/officeDocument/2006/math">
                       <m:oMathParaPr>
@@ -5743,14 +5760,14 @@
                         <m:sSub>
                           <m:sSubPr>
                             <m:ctrlPr>
-                              <a:rPr lang="en-US" altLang="zh-CN" b="0" i="1" smtClean="0">
+                              <a:rPr lang="en-US" altLang="zh-CN" i="1">
                                 <a:latin typeface="Cambria Math" panose="02040503050406030204" pitchFamily="18" charset="0"/>
                               </a:rPr>
                             </m:ctrlPr>
                           </m:sSubPr>
                           <m:e>
                             <m:r>
-                              <a:rPr lang="en-US" altLang="zh-CN" b="0" i="1" smtClean="0">
+                              <a:rPr lang="en-US" altLang="zh-CN" i="1">
                                 <a:latin typeface="Cambria Math" panose="02040503050406030204" pitchFamily="18" charset="0"/>
                               </a:rPr>
                               <m:t>𝑎</m:t>
@@ -5758,7 +5775,7 @@
                           </m:e>
                           <m:sub>
                             <m:r>
-                              <a:rPr lang="en-US" altLang="zh-CN" b="0" i="1" smtClean="0">
+                              <a:rPr lang="en-US" altLang="zh-CN" i="1">
                                 <a:latin typeface="Cambria Math" panose="02040503050406030204" pitchFamily="18" charset="0"/>
                               </a:rPr>
                               <m:t>15</m:t>
@@ -5785,7 +5802,7 @@
               <p:spPr>
                 <a:xfrm>
                   <a:off x="5346098" y="3791329"/>
-                  <a:ext cx="469551" cy="369332"/>
+                  <a:ext cx="469551" cy="270094"/>
                 </a:xfrm>
                 <a:prstGeom prst="rect">
                   <a:avLst/>
@@ -5829,7 +5846,7 @@
 <file path=ppt/theme/theme1.xml><?xml version="1.0" encoding="utf-8"?>
 <a:theme xmlns:a="http://schemas.openxmlformats.org/drawingml/2006/main" name="Office 主题​​">
   <a:themeElements>
-    <a:clrScheme name="Office">
+    <a:clrScheme name="Office 主题​​">
       <a:dk1>
         <a:sysClr val="windowText" lastClr="000000"/>
       </a:dk1>
@@ -5867,9 +5884,9 @@
         <a:srgbClr val="954F72"/>
       </a:folHlink>
     </a:clrScheme>
-    <a:fontScheme name="Office">
+    <a:fontScheme name="Office 主题​​">
       <a:majorFont>
-        <a:latin typeface="等线 Light" panose="020F0302020204030204"/>
+        <a:latin typeface="Calibri Light" panose="020F0302020204030204"/>
         <a:ea typeface=""/>
         <a:cs typeface=""/>
         <a:font script="Jpan" typeface="游ゴシック Light"/>
@@ -5904,7 +5921,7 @@
         <a:font script="Geor" typeface="Sylfaen"/>
       </a:majorFont>
       <a:minorFont>
-        <a:latin typeface="等线" panose="020F0502020204030204"/>
+        <a:latin typeface="Calibri" panose="020F0502020204030204"/>
         <a:ea typeface=""/>
         <a:cs typeface=""/>
         <a:font script="Jpan" typeface="游ゴシック"/>
@@ -5939,7 +5956,7 @@
         <a:font script="Geor" typeface="Sylfaen"/>
       </a:minorFont>
     </a:fontScheme>
-    <a:fmtScheme name="Office">
+    <a:fmtScheme name="Office 主题​​">
       <a:fillStyleLst>
         <a:solidFill>
           <a:schemeClr val="phClr"/>
